--- a/06_RankAxesShape.pptx
+++ b/06_RankAxesShape.pptx
@@ -5,7 +5,7 @@
     <p:sldMasterId id="2147483648" r:id="rId1"/>
   </p:sldMasterIdLst>
   <p:notesMasterIdLst>
-    <p:notesMasterId r:id="rId16"/>
+    <p:notesMasterId r:id="rId28"/>
   </p:notesMasterIdLst>
   <p:sldIdLst>
     <p:sldId id="256" r:id="rId2"/>
@@ -21,7 +21,19 @@
     <p:sldId id="268" r:id="rId12"/>
     <p:sldId id="269" r:id="rId13"/>
     <p:sldId id="270" r:id="rId14"/>
-    <p:sldId id="259" r:id="rId15"/>
+    <p:sldId id="271" r:id="rId15"/>
+    <p:sldId id="274" r:id="rId16"/>
+    <p:sldId id="273" r:id="rId17"/>
+    <p:sldId id="272" r:id="rId18"/>
+    <p:sldId id="275" r:id="rId19"/>
+    <p:sldId id="276" r:id="rId20"/>
+    <p:sldId id="277" r:id="rId21"/>
+    <p:sldId id="278" r:id="rId22"/>
+    <p:sldId id="279" r:id="rId23"/>
+    <p:sldId id="280" r:id="rId24"/>
+    <p:sldId id="281" r:id="rId25"/>
+    <p:sldId id="282" r:id="rId26"/>
+    <p:sldId id="259" r:id="rId27"/>
   </p:sldIdLst>
   <p:sldSz cx="9144000" cy="6858000" type="screen4x3"/>
   <p:notesSz cx="6858000" cy="9144000"/>
@@ -222,7 +234,7 @@
             <a:fld id="{6837EDA8-41C8-4B24-A206-13C08A65A6D7}" type="datetimeFigureOut">
               <a:rPr lang="zh-TW" altLang="en-US" smtClean="0"/>
               <a:pPr/>
-              <a:t>2020/5/22</a:t>
+              <a:t>2020/5/30</a:t>
             </a:fld>
             <a:endParaRPr lang="zh-TW" altLang="en-US"/>
           </a:p>
@@ -675,7 +687,7 @@
             <a:fld id="{8B85509C-BD4F-47BF-9B1E-FC2E949B3621}" type="datetime1">
               <a:rPr lang="zh-TW" altLang="en-US" smtClean="0"/>
               <a:pPr/>
-              <a:t>2020/5/22</a:t>
+              <a:t>2020/5/30</a:t>
             </a:fld>
             <a:endParaRPr lang="zh-TW" altLang="en-US"/>
           </a:p>
@@ -848,7 +860,7 @@
             <a:fld id="{42251B24-F787-4C15-8A0F-7AEC20C70069}" type="datetime1">
               <a:rPr lang="zh-TW" altLang="en-US" smtClean="0"/>
               <a:pPr/>
-              <a:t>2020/5/22</a:t>
+              <a:t>2020/5/30</a:t>
             </a:fld>
             <a:endParaRPr lang="zh-TW" altLang="en-US"/>
           </a:p>
@@ -1023,7 +1035,7 @@
             <a:fld id="{9CA0D33C-CE2B-45F1-B8D4-FFD1F131F331}" type="datetime1">
               <a:rPr lang="zh-TW" altLang="en-US" smtClean="0"/>
               <a:pPr/>
-              <a:t>2020/5/22</a:t>
+              <a:t>2020/5/30</a:t>
             </a:fld>
             <a:endParaRPr lang="zh-TW" altLang="en-US"/>
           </a:p>
@@ -1188,7 +1200,7 @@
             <a:fld id="{50B99440-D9EF-40CC-9B52-F6428D9B2C76}" type="datetime1">
               <a:rPr lang="zh-TW" altLang="en-US" smtClean="0"/>
               <a:pPr/>
-              <a:t>2020/5/22</a:t>
+              <a:t>2020/5/30</a:t>
             </a:fld>
             <a:endParaRPr lang="zh-TW" altLang="en-US"/>
           </a:p>
@@ -1430,7 +1442,7 @@
             <a:fld id="{0871BF52-5C6C-4959-8E27-CECB68D39FE4}" type="datetime1">
               <a:rPr lang="zh-TW" altLang="en-US" smtClean="0"/>
               <a:pPr/>
-              <a:t>2020/5/22</a:t>
+              <a:t>2020/5/30</a:t>
             </a:fld>
             <a:endParaRPr lang="zh-TW" altLang="en-US"/>
           </a:p>
@@ -1712,7 +1724,7 @@
             <a:fld id="{DF863F05-2DD9-4EB1-A827-12FD992DE9DC}" type="datetime1">
               <a:rPr lang="zh-TW" altLang="en-US" smtClean="0"/>
               <a:pPr/>
-              <a:t>2020/5/22</a:t>
+              <a:t>2020/5/30</a:t>
             </a:fld>
             <a:endParaRPr lang="zh-TW" altLang="en-US"/>
           </a:p>
@@ -2128,7 +2140,7 @@
             <a:fld id="{6339AF51-4491-4873-A096-75DB6CE47516}" type="datetime1">
               <a:rPr lang="zh-TW" altLang="en-US" smtClean="0"/>
               <a:pPr/>
-              <a:t>2020/5/22</a:t>
+              <a:t>2020/5/30</a:t>
             </a:fld>
             <a:endParaRPr lang="zh-TW" altLang="en-US"/>
           </a:p>
@@ -2242,7 +2254,7 @@
             <a:fld id="{EE4AD9C8-8B9E-40FF-ABE2-858AC2057BBB}" type="datetime1">
               <a:rPr lang="zh-TW" altLang="en-US" smtClean="0"/>
               <a:pPr/>
-              <a:t>2020/5/22</a:t>
+              <a:t>2020/5/30</a:t>
             </a:fld>
             <a:endParaRPr lang="zh-TW" altLang="en-US"/>
           </a:p>
@@ -2334,7 +2346,7 @@
             <a:fld id="{B4784999-BBBE-4BE4-A8D0-877E7D1D66CC}" type="datetime1">
               <a:rPr lang="zh-TW" altLang="en-US" smtClean="0"/>
               <a:pPr/>
-              <a:t>2020/5/22</a:t>
+              <a:t>2020/5/30</a:t>
             </a:fld>
             <a:endParaRPr lang="zh-TW" altLang="en-US"/>
           </a:p>
@@ -2606,7 +2618,7 @@
             <a:fld id="{E88D17E6-02BD-4944-B9FE-7BFCCBF83D48}" type="datetime1">
               <a:rPr lang="zh-TW" altLang="en-US" smtClean="0"/>
               <a:pPr/>
-              <a:t>2020/5/22</a:t>
+              <a:t>2020/5/30</a:t>
             </a:fld>
             <a:endParaRPr lang="zh-TW" altLang="en-US"/>
           </a:p>
@@ -2855,7 +2867,7 @@
             <a:fld id="{3C13E23D-1FEF-4D78-A3A3-3D6F2BB31954}" type="datetime1">
               <a:rPr lang="zh-TW" altLang="en-US" smtClean="0"/>
               <a:pPr/>
-              <a:t>2020/5/22</a:t>
+              <a:t>2020/5/30</a:t>
             </a:fld>
             <a:endParaRPr lang="zh-TW" altLang="en-US"/>
           </a:p>
@@ -3063,7 +3075,7 @@
             <a:fld id="{06197F35-AD6F-4594-8B50-334492D2E7E8}" type="datetime1">
               <a:rPr lang="zh-TW" altLang="en-US" smtClean="0"/>
               <a:pPr/>
-              <a:t>2020/5/22</a:t>
+              <a:t>2020/5/30</a:t>
             </a:fld>
             <a:endParaRPr lang="zh-TW" altLang="en-US"/>
           </a:p>
@@ -3524,7 +3536,7 @@
             <a:fld id="{C389EDC9-19E3-47AC-9C57-C6A24DEA81AD}" type="datetime1">
               <a:rPr lang="zh-TW" altLang="en-US" smtClean="0"/>
               <a:pPr/>
-              <a:t>2020/5/22</a:t>
+              <a:t>2020/5/30</a:t>
             </a:fld>
             <a:endParaRPr lang="zh-TW" altLang="en-US"/>
           </a:p>
@@ -3910,7 +3922,7 @@
             <a:fld id="{A4F910E6-8D00-4BAF-8C48-9688E0B449D3}" type="datetime1">
               <a:rPr lang="zh-TW" altLang="en-US" smtClean="0"/>
               <a:pPr/>
-              <a:t>2020/5/22</a:t>
+              <a:t>2020/5/30</a:t>
             </a:fld>
             <a:endParaRPr lang="zh-TW" altLang="en-US"/>
           </a:p>
@@ -4230,7 +4242,7 @@
             <a:fld id="{A4F910E6-8D00-4BAF-8C48-9688E0B449D3}" type="datetime1">
               <a:rPr lang="zh-TW" altLang="en-US" smtClean="0"/>
               <a:pPr/>
-              <a:t>2020/5/22</a:t>
+              <a:t>2020/5/30</a:t>
             </a:fld>
             <a:endParaRPr lang="zh-TW" altLang="en-US"/>
           </a:p>
@@ -4673,7 +4685,7 @@
             <a:fld id="{A4F910E6-8D00-4BAF-8C48-9688E0B449D3}" type="datetime1">
               <a:rPr lang="zh-TW" altLang="en-US" smtClean="0"/>
               <a:pPr/>
-              <a:t>2020/5/22</a:t>
+              <a:t>2020/5/30</a:t>
             </a:fld>
             <a:endParaRPr lang="zh-TW" altLang="en-US"/>
           </a:p>
@@ -4975,7 +4987,7 @@
             <a:fld id="{A4F910E6-8D00-4BAF-8C48-9688E0B449D3}" type="datetime1">
               <a:rPr lang="zh-TW" altLang="en-US" smtClean="0"/>
               <a:pPr/>
-              <a:t>2020/5/22</a:t>
+              <a:t>2020/5/30</a:t>
             </a:fld>
             <a:endParaRPr lang="zh-TW" altLang="en-US"/>
           </a:p>
@@ -5085,32 +5097,9 @@
             <a:off x="0" y="2130425"/>
             <a:ext cx="9144000" cy="1470025"/>
           </a:xfrm>
-          <a:gradFill flip="none" rotWithShape="1">
-            <a:gsLst>
-              <a:gs pos="0">
-                <a:srgbClr val="00B0F0">
-                  <a:shade val="30000"/>
-                  <a:satMod val="115000"/>
-                </a:srgbClr>
-              </a:gs>
-              <a:gs pos="50000">
-                <a:srgbClr val="00B0F0">
-                  <a:shade val="67500"/>
-                  <a:satMod val="115000"/>
-                </a:srgbClr>
-              </a:gs>
-              <a:gs pos="100000">
-                <a:srgbClr val="00B0F0">
-                  <a:shade val="100000"/>
-                  <a:satMod val="115000"/>
-                </a:srgbClr>
-              </a:gs>
-            </a:gsLst>
-            <a:path path="circle">
-              <a:fillToRect t="100000" r="100000"/>
-            </a:path>
-            <a:tileRect l="-100000" b="-100000"/>
-          </a:gradFill>
+          <a:solidFill>
+            <a:srgbClr val="00B0F0"/>
+          </a:solidFill>
         </p:spPr>
         <p:txBody>
           <a:bodyPr>
@@ -5119,14 +5108,14 @@
           <a:lstStyle/>
           <a:p>
             <a:r>
-              <a:rPr lang="en-US" altLang="zh-TW" sz="6000" b="1" dirty="0">
+              <a:rPr lang="en-US" altLang="zh-TW" sz="4800" b="1" dirty="0">
                 <a:solidFill>
                   <a:srgbClr val="FFFF00"/>
                 </a:solidFill>
               </a:rPr>
-              <a:t>End of Chapter</a:t>
-            </a:r>
-            <a:endParaRPr lang="zh-TW" altLang="en-US" sz="6000" b="1" dirty="0">
+              <a:t>6.4 Summary</a:t>
+            </a:r>
+            <a:endParaRPr lang="zh-TW" altLang="en-US" sz="4800" b="1" dirty="0">
               <a:solidFill>
                 <a:srgbClr val="FFFF00"/>
               </a:solidFill>
@@ -5149,10 +5138,10 @@
           <a:bodyPr/>
           <a:lstStyle/>
           <a:p>
-            <a:fld id="{4E46BE27-E923-4EC2-B046-3272AE2A3E5C}" type="datetime1">
+            <a:fld id="{C389EDC9-19E3-47AC-9C57-C6A24DEA81AD}" type="datetime1">
               <a:rPr lang="zh-TW" altLang="en-US" smtClean="0"/>
               <a:pPr/>
-              <a:t>2020/5/22</a:t>
+              <a:t>2020/5/30</a:t>
             </a:fld>
             <a:endParaRPr lang="zh-TW" altLang="en-US"/>
           </a:p>
@@ -5182,7 +5171,42 @@
           </a:p>
         </p:txBody>
       </p:sp>
+      <p:pic>
+        <p:nvPicPr>
+          <p:cNvPr id="7" name="Picture 6">
+            <a:extLst>
+              <a:ext uri="{FF2B5EF4-FFF2-40B4-BE49-F238E27FC236}">
+                <a16:creationId xmlns:a16="http://schemas.microsoft.com/office/drawing/2014/main" id="{6036082F-9FF3-4FD3-AAB6-79929EA80D69}"/>
+              </a:ext>
+            </a:extLst>
+          </p:cNvPr>
+          <p:cNvPicPr>
+            <a:picLocks noChangeAspect="1"/>
+          </p:cNvPicPr>
+          <p:nvPr/>
+        </p:nvPicPr>
+        <p:blipFill>
+          <a:blip r:embed="rId2"/>
+          <a:stretch>
+            <a:fillRect/>
+          </a:stretch>
+        </p:blipFill>
+        <p:spPr>
+          <a:xfrm>
+            <a:off x="3995936" y="3646102"/>
+            <a:ext cx="833859" cy="989784"/>
+          </a:xfrm>
+          <a:prstGeom prst="rect">
+            <a:avLst/>
+          </a:prstGeom>
+        </p:spPr>
+      </p:pic>
     </p:spTree>
+    <p:extLst>
+      <p:ext uri="{BB962C8B-B14F-4D97-AF65-F5344CB8AC3E}">
+        <p14:creationId xmlns:p14="http://schemas.microsoft.com/office/powerpoint/2010/main" val="11041599"/>
+      </p:ext>
+    </p:extLst>
   </p:cSld>
   <p:clrMapOvr>
     <a:masterClrMapping/>
@@ -5190,7 +5214,7 @@
 </p:sld>
 </file>
 
-<file path=ppt/slides/slide2.xml><?xml version="1.0" encoding="utf-8"?>
+<file path=ppt/slides/slide15.xml><?xml version="1.0" encoding="utf-8"?>
 <p:sld xmlns:a="http://schemas.openxmlformats.org/drawingml/2006/main" xmlns:r="http://schemas.openxmlformats.org/officeDocument/2006/relationships" xmlns:p="http://schemas.openxmlformats.org/presentationml/2006/main">
   <p:cSld>
     <p:spTree>
@@ -5262,7 +5286,15 @@
                   <a:srgbClr val="FFFF00"/>
                 </a:solidFill>
               </a:rPr>
-              <a:t>6 Rank, Axes, and Shape</a:t>
+              <a:t>6.4 </a:t>
+            </a:r>
+            <a:r>
+              <a:rPr lang="en-US" altLang="zh-TW" b="1" dirty="0" err="1">
+                <a:solidFill>
+                  <a:srgbClr val="FFFF00"/>
+                </a:solidFill>
+              </a:rPr>
+              <a:t>Sumamry</a:t>
             </a:r>
             <a:endParaRPr lang="zh-TW" altLang="en-US" b="1" dirty="0">
               <a:solidFill>
@@ -5285,7 +5317,7 @@
         <p:spPr>
           <a:xfrm>
             <a:off x="467544" y="1268759"/>
-            <a:ext cx="8352928" cy="3024337"/>
+            <a:ext cx="8352928" cy="2448273"/>
           </a:xfrm>
           <a:ln>
             <a:solidFill>
@@ -5313,7 +5345,7 @@
                   <a:schemeClr val="tx1"/>
                 </a:solidFill>
               </a:rPr>
-              <a:t>Rank, Axes, and Shape</a:t>
+              <a:t>Summary</a:t>
             </a:r>
           </a:p>
           <a:p>
@@ -5344,12 +5376,44 @@
               <a:buChar char="u"/>
             </a:pPr>
             <a:r>
+              <a:rPr lang="en-US" sz="1800" dirty="0">
+                <a:solidFill>
+                  <a:schemeClr val="tx1"/>
+                </a:solidFill>
+              </a:rPr>
+              <a:t>The</a:t>
+            </a:r>
+            <a:r>
+              <a:rPr lang="en-US" sz="1800" b="1" i="1" dirty="0">
+                <a:solidFill>
+                  <a:srgbClr val="C00000"/>
+                </a:solidFill>
+              </a:rPr>
+              <a:t> rank </a:t>
+            </a:r>
+            <a:r>
+              <a:rPr lang="en-US" sz="1800" dirty="0">
+                <a:solidFill>
+                  <a:schemeClr val="tx1"/>
+                </a:solidFill>
+              </a:rPr>
+              <a:t>of a tensor refers to the </a:t>
+            </a:r>
+            <a:r>
               <a:rPr lang="en-US" sz="1800" b="1" dirty="0">
                 <a:solidFill>
                   <a:srgbClr val="C00000"/>
                 </a:solidFill>
               </a:rPr>
-              <a:t>What is the rank of Tensor?</a:t>
+              <a:t>number of dimensions </a:t>
+            </a:r>
+            <a:r>
+              <a:rPr lang="en-US" sz="1800" dirty="0">
+                <a:solidFill>
+                  <a:schemeClr val="tx1"/>
+                </a:solidFill>
+              </a:rPr>
+              <a:t>present within the tensor.</a:t>
             </a:r>
           </a:p>
           <a:p>
@@ -5367,56 +5431,6 @@
                   <a:schemeClr val="tx1"/>
                 </a:solidFill>
               </a:rPr>
-              <a:t>The</a:t>
-            </a:r>
-            <a:r>
-              <a:rPr lang="en-US" sz="1800" b="1" i="1" dirty="0">
-                <a:solidFill>
-                  <a:srgbClr val="C00000"/>
-                </a:solidFill>
-              </a:rPr>
-              <a:t> rank </a:t>
-            </a:r>
-            <a:r>
-              <a:rPr lang="en-US" sz="1800" dirty="0">
-                <a:solidFill>
-                  <a:schemeClr val="tx1"/>
-                </a:solidFill>
-              </a:rPr>
-              <a:t>of a tensor refers to the </a:t>
-            </a:r>
-            <a:r>
-              <a:rPr lang="en-US" sz="1800" b="1" dirty="0">
-                <a:solidFill>
-                  <a:srgbClr val="C00000"/>
-                </a:solidFill>
-              </a:rPr>
-              <a:t>number of dimensions </a:t>
-            </a:r>
-            <a:r>
-              <a:rPr lang="en-US" sz="1800" dirty="0">
-                <a:solidFill>
-                  <a:schemeClr val="tx1"/>
-                </a:solidFill>
-              </a:rPr>
-              <a:t>present within the tensor.</a:t>
-            </a:r>
-          </a:p>
-          <a:p>
-            <a:pPr marL="342900" indent="-342900" algn="l">
-              <a:buClr>
-                <a:srgbClr val="0070C0"/>
-              </a:buClr>
-              <a:buSzPct val="80000"/>
-              <a:buFont typeface="Wingdings" pitchFamily="2" charset="2"/>
-              <a:buChar char="u"/>
-            </a:pPr>
-            <a:r>
-              <a:rPr lang="en-US" sz="1800" dirty="0">
-                <a:solidFill>
-                  <a:schemeClr val="tx1"/>
-                </a:solidFill>
-              </a:rPr>
               <a:t>Suppose we are told we have </a:t>
             </a:r>
             <a:r>
@@ -5489,39 +5503,6 @@
               </a:rPr>
               <a:t>We have 2d-tensor</a:t>
             </a:r>
-          </a:p>
-          <a:p>
-            <a:pPr marL="342900" indent="-342900" algn="l">
-              <a:buClr>
-                <a:srgbClr val="0070C0"/>
-              </a:buClr>
-              <a:buSzPct val="80000"/>
-              <a:buFont typeface="Wingdings" pitchFamily="2" charset="2"/>
-              <a:buChar char="u"/>
-            </a:pPr>
-            <a:r>
-              <a:rPr lang="en-US" sz="1800" dirty="0">
-                <a:solidFill>
-                  <a:schemeClr val="tx1"/>
-                </a:solidFill>
-              </a:rPr>
-              <a:t>What is the rank tell us about the information?</a:t>
-            </a:r>
-          </a:p>
-          <a:p>
-            <a:pPr marL="342900" indent="-342900" algn="l">
-              <a:buClr>
-                <a:srgbClr val="0070C0"/>
-              </a:buClr>
-              <a:buSzPct val="80000"/>
-              <a:buFont typeface="Wingdings" pitchFamily="2" charset="2"/>
-              <a:buChar char="u"/>
-            </a:pPr>
-            <a:endParaRPr lang="en-US" sz="1800" b="1" dirty="0">
-              <a:solidFill>
-                <a:schemeClr val="tx1"/>
-              </a:solidFill>
-            </a:endParaRPr>
           </a:p>
         </p:txBody>
       </p:sp>
@@ -5620,7 +5601,1532 @@
             <a:fld id="{A4F910E6-8D00-4BAF-8C48-9688E0B449D3}" type="datetime1">
               <a:rPr lang="zh-TW" altLang="en-US" smtClean="0"/>
               <a:pPr/>
-              <a:t>2020/5/22</a:t>
+              <a:t>2020/5/30</a:t>
+            </a:fld>
+            <a:endParaRPr lang="zh-TW" altLang="en-US"/>
+          </a:p>
+        </p:txBody>
+      </p:sp>
+      <p:sp>
+        <p:nvSpPr>
+          <p:cNvPr id="6" name="投影片編號版面配置區 5"/>
+          <p:cNvSpPr>
+            <a:spLocks noGrp="1"/>
+          </p:cNvSpPr>
+          <p:nvPr>
+            <p:ph type="sldNum" sz="quarter" idx="12"/>
+          </p:nvPr>
+        </p:nvSpPr>
+        <p:spPr/>
+        <p:txBody>
+          <a:bodyPr/>
+          <a:lstStyle/>
+          <a:p>
+            <a:fld id="{E4D7E63D-91F2-4366-A2C4-1B00C9E2590E}" type="slidenum">
+              <a:rPr lang="zh-TW" altLang="en-US" smtClean="0"/>
+              <a:pPr/>
+              <a:t>15</a:t>
+            </a:fld>
+            <a:endParaRPr lang="zh-TW" altLang="en-US"/>
+          </a:p>
+        </p:txBody>
+      </p:sp>
+    </p:spTree>
+    <p:extLst>
+      <p:ext uri="{BB962C8B-B14F-4D97-AF65-F5344CB8AC3E}">
+        <p14:creationId xmlns:p14="http://schemas.microsoft.com/office/powerpoint/2010/main" val="346511602"/>
+      </p:ext>
+    </p:extLst>
+  </p:cSld>
+  <p:clrMapOvr>
+    <a:masterClrMapping/>
+  </p:clrMapOvr>
+</p:sld>
+</file>
+
+<file path=ppt/slides/slide16.xml><?xml version="1.0" encoding="utf-8"?>
+<p:sld xmlns:a="http://schemas.openxmlformats.org/drawingml/2006/main" xmlns:r="http://schemas.openxmlformats.org/officeDocument/2006/relationships" xmlns:p="http://schemas.openxmlformats.org/presentationml/2006/main">
+  <p:cSld>
+    <p:spTree>
+      <p:nvGrpSpPr>
+        <p:cNvPr id="1" name=""/>
+        <p:cNvGrpSpPr/>
+        <p:nvPr/>
+      </p:nvGrpSpPr>
+      <p:grpSpPr>
+        <a:xfrm>
+          <a:off x="0" y="0"/>
+          <a:ext cx="0" cy="0"/>
+          <a:chOff x="0" y="0"/>
+          <a:chExt cx="0" cy="0"/>
+        </a:xfrm>
+      </p:grpSpPr>
+      <p:sp>
+        <p:nvSpPr>
+          <p:cNvPr id="2" name="標題 1"/>
+          <p:cNvSpPr>
+            <a:spLocks noGrp="1"/>
+          </p:cNvSpPr>
+          <p:nvPr>
+            <p:ph type="ctrTitle"/>
+          </p:nvPr>
+        </p:nvSpPr>
+        <p:spPr>
+          <a:xfrm>
+            <a:off x="0" y="2130425"/>
+            <a:ext cx="9144000" cy="1470025"/>
+          </a:xfrm>
+          <a:solidFill>
+            <a:srgbClr val="00B0F0"/>
+          </a:solidFill>
+        </p:spPr>
+        <p:txBody>
+          <a:bodyPr>
+            <a:normAutofit/>
+          </a:bodyPr>
+          <a:lstStyle/>
+          <a:p>
+            <a:r>
+              <a:rPr lang="en-US" altLang="zh-TW" sz="4800" b="1" dirty="0">
+                <a:solidFill>
+                  <a:srgbClr val="FFFF00"/>
+                </a:solidFill>
+              </a:rPr>
+              <a:t>6.5 Quiz</a:t>
+            </a:r>
+            <a:endParaRPr lang="zh-TW" altLang="en-US" sz="4800" b="1" dirty="0">
+              <a:solidFill>
+                <a:srgbClr val="FFFF00"/>
+              </a:solidFill>
+            </a:endParaRPr>
+          </a:p>
+        </p:txBody>
+      </p:sp>
+      <p:sp>
+        <p:nvSpPr>
+          <p:cNvPr id="5" name="日期版面配置區 4"/>
+          <p:cNvSpPr>
+            <a:spLocks noGrp="1"/>
+          </p:cNvSpPr>
+          <p:nvPr>
+            <p:ph type="dt" sz="half" idx="10"/>
+          </p:nvPr>
+        </p:nvSpPr>
+        <p:spPr/>
+        <p:txBody>
+          <a:bodyPr/>
+          <a:lstStyle/>
+          <a:p>
+            <a:fld id="{C389EDC9-19E3-47AC-9C57-C6A24DEA81AD}" type="datetime1">
+              <a:rPr lang="zh-TW" altLang="en-US" smtClean="0"/>
+              <a:pPr/>
+              <a:t>2020/5/30</a:t>
+            </a:fld>
+            <a:endParaRPr lang="zh-TW" altLang="en-US"/>
+          </a:p>
+        </p:txBody>
+      </p:sp>
+      <p:sp>
+        <p:nvSpPr>
+          <p:cNvPr id="6" name="投影片編號版面配置區 5"/>
+          <p:cNvSpPr>
+            <a:spLocks noGrp="1"/>
+          </p:cNvSpPr>
+          <p:nvPr>
+            <p:ph type="sldNum" sz="quarter" idx="12"/>
+          </p:nvPr>
+        </p:nvSpPr>
+        <p:spPr/>
+        <p:txBody>
+          <a:bodyPr/>
+          <a:lstStyle/>
+          <a:p>
+            <a:fld id="{E4D7E63D-91F2-4366-A2C4-1B00C9E2590E}" type="slidenum">
+              <a:rPr lang="zh-TW" altLang="en-US" smtClean="0"/>
+              <a:pPr/>
+              <a:t>16</a:t>
+            </a:fld>
+            <a:endParaRPr lang="zh-TW" altLang="en-US"/>
+          </a:p>
+        </p:txBody>
+      </p:sp>
+      <p:pic>
+        <p:nvPicPr>
+          <p:cNvPr id="7" name="Picture 6">
+            <a:extLst>
+              <a:ext uri="{FF2B5EF4-FFF2-40B4-BE49-F238E27FC236}">
+                <a16:creationId xmlns:a16="http://schemas.microsoft.com/office/drawing/2014/main" id="{6036082F-9FF3-4FD3-AAB6-79929EA80D69}"/>
+              </a:ext>
+            </a:extLst>
+          </p:cNvPr>
+          <p:cNvPicPr>
+            <a:picLocks noChangeAspect="1"/>
+          </p:cNvPicPr>
+          <p:nvPr/>
+        </p:nvPicPr>
+        <p:blipFill>
+          <a:blip r:embed="rId2"/>
+          <a:stretch>
+            <a:fillRect/>
+          </a:stretch>
+        </p:blipFill>
+        <p:spPr>
+          <a:xfrm>
+            <a:off x="3995936" y="3646102"/>
+            <a:ext cx="833859" cy="989784"/>
+          </a:xfrm>
+          <a:prstGeom prst="rect">
+            <a:avLst/>
+          </a:prstGeom>
+        </p:spPr>
+      </p:pic>
+    </p:spTree>
+    <p:extLst>
+      <p:ext uri="{BB962C8B-B14F-4D97-AF65-F5344CB8AC3E}">
+        <p14:creationId xmlns:p14="http://schemas.microsoft.com/office/powerpoint/2010/main" val="202560159"/>
+      </p:ext>
+    </p:extLst>
+  </p:cSld>
+  <p:clrMapOvr>
+    <a:masterClrMapping/>
+  </p:clrMapOvr>
+</p:sld>
+</file>
+
+<file path=ppt/slides/slide17.xml><?xml version="1.0" encoding="utf-8"?>
+<p:sld xmlns:a="http://schemas.openxmlformats.org/drawingml/2006/main" xmlns:r="http://schemas.openxmlformats.org/officeDocument/2006/relationships" xmlns:p="http://schemas.openxmlformats.org/presentationml/2006/main">
+  <p:cSld>
+    <p:spTree>
+      <p:nvGrpSpPr>
+        <p:cNvPr id="1" name=""/>
+        <p:cNvGrpSpPr/>
+        <p:nvPr/>
+      </p:nvGrpSpPr>
+      <p:grpSpPr>
+        <a:xfrm>
+          <a:off x="0" y="0"/>
+          <a:ext cx="0" cy="0"/>
+          <a:chOff x="0" y="0"/>
+          <a:chExt cx="0" cy="0"/>
+        </a:xfrm>
+      </p:grpSpPr>
+      <p:sp>
+        <p:nvSpPr>
+          <p:cNvPr id="2" name="標題 1"/>
+          <p:cNvSpPr>
+            <a:spLocks noGrp="1"/>
+          </p:cNvSpPr>
+          <p:nvPr>
+            <p:ph type="ctrTitle"/>
+          </p:nvPr>
+        </p:nvSpPr>
+        <p:spPr>
+          <a:xfrm>
+            <a:off x="0" y="1"/>
+            <a:ext cx="9144000" cy="764704"/>
+          </a:xfrm>
+          <a:gradFill flip="none" rotWithShape="1">
+            <a:gsLst>
+              <a:gs pos="0">
+                <a:srgbClr val="C00000">
+                  <a:shade val="30000"/>
+                  <a:satMod val="115000"/>
+                </a:srgbClr>
+              </a:gs>
+              <a:gs pos="50000">
+                <a:srgbClr val="C00000">
+                  <a:shade val="67500"/>
+                  <a:satMod val="115000"/>
+                </a:srgbClr>
+              </a:gs>
+              <a:gs pos="100000">
+                <a:srgbClr val="C00000">
+                  <a:shade val="100000"/>
+                  <a:satMod val="115000"/>
+                </a:srgbClr>
+              </a:gs>
+            </a:gsLst>
+            <a:path path="circle">
+              <a:fillToRect t="100000" r="100000"/>
+            </a:path>
+            <a:tileRect l="-100000" b="-100000"/>
+          </a:gradFill>
+        </p:spPr>
+        <p:txBody>
+          <a:bodyPr>
+            <a:normAutofit/>
+          </a:bodyPr>
+          <a:lstStyle/>
+          <a:p>
+            <a:pPr algn="l"/>
+            <a:r>
+              <a:rPr lang="en-US" altLang="zh-TW" b="1" dirty="0">
+                <a:solidFill>
+                  <a:srgbClr val="FFFF00"/>
+                </a:solidFill>
+              </a:rPr>
+              <a:t>6.5 Quiz</a:t>
+            </a:r>
+            <a:endParaRPr lang="zh-TW" altLang="en-US" b="1" dirty="0">
+              <a:solidFill>
+                <a:srgbClr val="FFFF00"/>
+              </a:solidFill>
+            </a:endParaRPr>
+          </a:p>
+        </p:txBody>
+      </p:sp>
+      <p:sp>
+        <p:nvSpPr>
+          <p:cNvPr id="3" name="副標題 2"/>
+          <p:cNvSpPr>
+            <a:spLocks noGrp="1"/>
+          </p:cNvSpPr>
+          <p:nvPr>
+            <p:ph type="subTitle" idx="1"/>
+          </p:nvPr>
+        </p:nvSpPr>
+        <p:spPr>
+          <a:xfrm>
+            <a:off x="467544" y="1268758"/>
+            <a:ext cx="1080120" cy="360040"/>
+          </a:xfrm>
+          <a:ln>
+            <a:solidFill>
+              <a:srgbClr val="C00000"/>
+            </a:solidFill>
+          </a:ln>
+        </p:spPr>
+        <p:txBody>
+          <a:bodyPr>
+            <a:noAutofit/>
+          </a:bodyPr>
+          <a:lstStyle/>
+          <a:p>
+            <a:pPr marL="342900" indent="-342900" algn="l">
+              <a:buClr>
+                <a:srgbClr val="0070C0"/>
+              </a:buClr>
+              <a:buSzPct val="80000"/>
+              <a:buFont typeface="Wingdings" pitchFamily="2" charset="2"/>
+              <a:buChar char="u"/>
+            </a:pPr>
+            <a:r>
+              <a:rPr lang="en-US" sz="1800" b="1" dirty="0">
+                <a:solidFill>
+                  <a:schemeClr val="tx1"/>
+                </a:solidFill>
+              </a:rPr>
+              <a:t>Quiz</a:t>
+            </a:r>
+          </a:p>
+        </p:txBody>
+      </p:sp>
+      <p:sp>
+        <p:nvSpPr>
+          <p:cNvPr id="4" name="標題 1"/>
+          <p:cNvSpPr txBox="1">
+            <a:spLocks/>
+          </p:cNvSpPr>
+          <p:nvPr/>
+        </p:nvSpPr>
+        <p:spPr>
+          <a:xfrm>
+            <a:off x="0" y="764704"/>
+            <a:ext cx="9144000" cy="360040"/>
+          </a:xfrm>
+          <a:prstGeom prst="rect">
+            <a:avLst/>
+          </a:prstGeom>
+          <a:gradFill flip="none" rotWithShape="1">
+            <a:gsLst>
+              <a:gs pos="0">
+                <a:srgbClr val="00B0F0">
+                  <a:shade val="30000"/>
+                  <a:satMod val="115000"/>
+                </a:srgbClr>
+              </a:gs>
+              <a:gs pos="50000">
+                <a:srgbClr val="00B0F0">
+                  <a:shade val="67500"/>
+                  <a:satMod val="115000"/>
+                </a:srgbClr>
+              </a:gs>
+              <a:gs pos="100000">
+                <a:srgbClr val="00B0F0">
+                  <a:shade val="100000"/>
+                  <a:satMod val="115000"/>
+                </a:srgbClr>
+              </a:gs>
+            </a:gsLst>
+            <a:path path="circle">
+              <a:fillToRect t="100000" r="100000"/>
+            </a:path>
+            <a:tileRect l="-100000" b="-100000"/>
+          </a:gradFill>
+        </p:spPr>
+        <p:txBody>
+          <a:bodyPr vert="horz" lIns="91440" tIns="45720" rIns="91440" bIns="45720" rtlCol="0" anchor="ctr">
+            <a:normAutofit/>
+          </a:bodyPr>
+          <a:lstStyle/>
+          <a:p>
+            <a:pPr lvl="0">
+              <a:spcBef>
+                <a:spcPct val="0"/>
+              </a:spcBef>
+            </a:pPr>
+            <a:r>
+              <a:rPr lang="en-US" sz="1600" dirty="0">
+                <a:hlinkClick r:id="rId2"/>
+              </a:rPr>
+              <a:t>https://www.youtube.com/watch?v=AiyK0idr4uM&amp;list=PLZbbT5o_s2xrfNyHZsM6ufI0iZENK9xgG&amp;index=6</a:t>
+            </a:r>
+            <a:endParaRPr kumimoji="0" lang="zh-TW" altLang="en-US" sz="1600" b="0" i="0" u="none" strike="noStrike" kern="1200" cap="none" spc="0" normalizeH="0" baseline="0" noProof="0" dirty="0">
+              <a:ln>
+                <a:noFill/>
+              </a:ln>
+              <a:solidFill>
+                <a:schemeClr val="tx1"/>
+              </a:solidFill>
+              <a:effectLst/>
+              <a:uLnTx/>
+              <a:uFillTx/>
+              <a:latin typeface="+mj-lt"/>
+              <a:ea typeface="+mj-ea"/>
+              <a:cs typeface="+mj-cs"/>
+            </a:endParaRPr>
+          </a:p>
+        </p:txBody>
+      </p:sp>
+      <p:sp>
+        <p:nvSpPr>
+          <p:cNvPr id="5" name="日期版面配置區 4"/>
+          <p:cNvSpPr>
+            <a:spLocks noGrp="1"/>
+          </p:cNvSpPr>
+          <p:nvPr>
+            <p:ph type="dt" sz="half" idx="10"/>
+          </p:nvPr>
+        </p:nvSpPr>
+        <p:spPr/>
+        <p:txBody>
+          <a:bodyPr/>
+          <a:lstStyle/>
+          <a:p>
+            <a:fld id="{A4F910E6-8D00-4BAF-8C48-9688E0B449D3}" type="datetime1">
+              <a:rPr lang="zh-TW" altLang="en-US" smtClean="0"/>
+              <a:pPr/>
+              <a:t>2020/5/30</a:t>
+            </a:fld>
+            <a:endParaRPr lang="zh-TW" altLang="en-US"/>
+          </a:p>
+        </p:txBody>
+      </p:sp>
+      <p:sp>
+        <p:nvSpPr>
+          <p:cNvPr id="6" name="投影片編號版面配置區 5"/>
+          <p:cNvSpPr>
+            <a:spLocks noGrp="1"/>
+          </p:cNvSpPr>
+          <p:nvPr>
+            <p:ph type="sldNum" sz="quarter" idx="12"/>
+          </p:nvPr>
+        </p:nvSpPr>
+        <p:spPr/>
+        <p:txBody>
+          <a:bodyPr/>
+          <a:lstStyle/>
+          <a:p>
+            <a:fld id="{E4D7E63D-91F2-4366-A2C4-1B00C9E2590E}" type="slidenum">
+              <a:rPr lang="zh-TW" altLang="en-US" smtClean="0"/>
+              <a:pPr/>
+              <a:t>17</a:t>
+            </a:fld>
+            <a:endParaRPr lang="zh-TW" altLang="en-US"/>
+          </a:p>
+        </p:txBody>
+      </p:sp>
+      <p:pic>
+        <p:nvPicPr>
+          <p:cNvPr id="9" name="Picture 8">
+            <a:extLst>
+              <a:ext uri="{FF2B5EF4-FFF2-40B4-BE49-F238E27FC236}">
+                <a16:creationId xmlns:a16="http://schemas.microsoft.com/office/drawing/2014/main" id="{DA51ABF2-946D-485C-8341-98156E8A6FB9}"/>
+              </a:ext>
+            </a:extLst>
+          </p:cNvPr>
+          <p:cNvPicPr>
+            <a:picLocks noChangeAspect="1"/>
+          </p:cNvPicPr>
+          <p:nvPr/>
+        </p:nvPicPr>
+        <p:blipFill>
+          <a:blip r:embed="rId3"/>
+          <a:stretch>
+            <a:fillRect/>
+          </a:stretch>
+        </p:blipFill>
+        <p:spPr>
+          <a:xfrm>
+            <a:off x="1809750" y="1268758"/>
+            <a:ext cx="6877050" cy="3943350"/>
+          </a:xfrm>
+          <a:prstGeom prst="rect">
+            <a:avLst/>
+          </a:prstGeom>
+          <a:ln>
+            <a:solidFill>
+              <a:srgbClr val="C00000"/>
+            </a:solidFill>
+          </a:ln>
+        </p:spPr>
+      </p:pic>
+    </p:spTree>
+    <p:extLst>
+      <p:ext uri="{BB962C8B-B14F-4D97-AF65-F5344CB8AC3E}">
+        <p14:creationId xmlns:p14="http://schemas.microsoft.com/office/powerpoint/2010/main" val="235592318"/>
+      </p:ext>
+    </p:extLst>
+  </p:cSld>
+  <p:clrMapOvr>
+    <a:masterClrMapping/>
+  </p:clrMapOvr>
+</p:sld>
+</file>
+
+<file path=ppt/slides/slide18.xml><?xml version="1.0" encoding="utf-8"?>
+<p:sld xmlns:a="http://schemas.openxmlformats.org/drawingml/2006/main" xmlns:r="http://schemas.openxmlformats.org/officeDocument/2006/relationships" xmlns:p="http://schemas.openxmlformats.org/presentationml/2006/main">
+  <p:cSld>
+    <p:spTree>
+      <p:nvGrpSpPr>
+        <p:cNvPr id="1" name=""/>
+        <p:cNvGrpSpPr/>
+        <p:nvPr/>
+      </p:nvGrpSpPr>
+      <p:grpSpPr>
+        <a:xfrm>
+          <a:off x="0" y="0"/>
+          <a:ext cx="0" cy="0"/>
+          <a:chOff x="0" y="0"/>
+          <a:chExt cx="0" cy="0"/>
+        </a:xfrm>
+      </p:grpSpPr>
+      <p:sp>
+        <p:nvSpPr>
+          <p:cNvPr id="2" name="標題 1"/>
+          <p:cNvSpPr>
+            <a:spLocks noGrp="1"/>
+          </p:cNvSpPr>
+          <p:nvPr>
+            <p:ph type="ctrTitle"/>
+          </p:nvPr>
+        </p:nvSpPr>
+        <p:spPr>
+          <a:xfrm>
+            <a:off x="0" y="1"/>
+            <a:ext cx="9144000" cy="764704"/>
+          </a:xfrm>
+          <a:gradFill flip="none" rotWithShape="1">
+            <a:gsLst>
+              <a:gs pos="0">
+                <a:srgbClr val="C00000">
+                  <a:shade val="30000"/>
+                  <a:satMod val="115000"/>
+                </a:srgbClr>
+              </a:gs>
+              <a:gs pos="50000">
+                <a:srgbClr val="C00000">
+                  <a:shade val="67500"/>
+                  <a:satMod val="115000"/>
+                </a:srgbClr>
+              </a:gs>
+              <a:gs pos="100000">
+                <a:srgbClr val="C00000">
+                  <a:shade val="100000"/>
+                  <a:satMod val="115000"/>
+                </a:srgbClr>
+              </a:gs>
+            </a:gsLst>
+            <a:path path="circle">
+              <a:fillToRect t="100000" r="100000"/>
+            </a:path>
+            <a:tileRect l="-100000" b="-100000"/>
+          </a:gradFill>
+        </p:spPr>
+        <p:txBody>
+          <a:bodyPr>
+            <a:normAutofit/>
+          </a:bodyPr>
+          <a:lstStyle/>
+          <a:p>
+            <a:pPr algn="l"/>
+            <a:r>
+              <a:rPr lang="en-US" altLang="zh-TW" b="1" dirty="0">
+                <a:solidFill>
+                  <a:srgbClr val="FFFF00"/>
+                </a:solidFill>
+              </a:rPr>
+              <a:t>6.5 Quiz</a:t>
+            </a:r>
+            <a:endParaRPr lang="zh-TW" altLang="en-US" b="1" dirty="0">
+              <a:solidFill>
+                <a:srgbClr val="FFFF00"/>
+              </a:solidFill>
+            </a:endParaRPr>
+          </a:p>
+        </p:txBody>
+      </p:sp>
+      <p:sp>
+        <p:nvSpPr>
+          <p:cNvPr id="3" name="副標題 2"/>
+          <p:cNvSpPr>
+            <a:spLocks noGrp="1"/>
+          </p:cNvSpPr>
+          <p:nvPr>
+            <p:ph type="subTitle" idx="1"/>
+          </p:nvPr>
+        </p:nvSpPr>
+        <p:spPr>
+          <a:xfrm>
+            <a:off x="467544" y="1268758"/>
+            <a:ext cx="1080120" cy="360040"/>
+          </a:xfrm>
+          <a:ln>
+            <a:solidFill>
+              <a:srgbClr val="C00000"/>
+            </a:solidFill>
+          </a:ln>
+        </p:spPr>
+        <p:txBody>
+          <a:bodyPr>
+            <a:noAutofit/>
+          </a:bodyPr>
+          <a:lstStyle/>
+          <a:p>
+            <a:pPr marL="342900" indent="-342900" algn="l">
+              <a:buClr>
+                <a:srgbClr val="0070C0"/>
+              </a:buClr>
+              <a:buSzPct val="80000"/>
+              <a:buFont typeface="Wingdings" pitchFamily="2" charset="2"/>
+              <a:buChar char="u"/>
+            </a:pPr>
+            <a:r>
+              <a:rPr lang="en-US" sz="1800" b="1" dirty="0">
+                <a:solidFill>
+                  <a:schemeClr val="tx1"/>
+                </a:solidFill>
+              </a:rPr>
+              <a:t>Quiz</a:t>
+            </a:r>
+          </a:p>
+        </p:txBody>
+      </p:sp>
+      <p:sp>
+        <p:nvSpPr>
+          <p:cNvPr id="4" name="標題 1"/>
+          <p:cNvSpPr txBox="1">
+            <a:spLocks/>
+          </p:cNvSpPr>
+          <p:nvPr/>
+        </p:nvSpPr>
+        <p:spPr>
+          <a:xfrm>
+            <a:off x="0" y="764704"/>
+            <a:ext cx="9144000" cy="360040"/>
+          </a:xfrm>
+          <a:prstGeom prst="rect">
+            <a:avLst/>
+          </a:prstGeom>
+          <a:gradFill flip="none" rotWithShape="1">
+            <a:gsLst>
+              <a:gs pos="0">
+                <a:srgbClr val="00B0F0">
+                  <a:shade val="30000"/>
+                  <a:satMod val="115000"/>
+                </a:srgbClr>
+              </a:gs>
+              <a:gs pos="50000">
+                <a:srgbClr val="00B0F0">
+                  <a:shade val="67500"/>
+                  <a:satMod val="115000"/>
+                </a:srgbClr>
+              </a:gs>
+              <a:gs pos="100000">
+                <a:srgbClr val="00B0F0">
+                  <a:shade val="100000"/>
+                  <a:satMod val="115000"/>
+                </a:srgbClr>
+              </a:gs>
+            </a:gsLst>
+            <a:path path="circle">
+              <a:fillToRect t="100000" r="100000"/>
+            </a:path>
+            <a:tileRect l="-100000" b="-100000"/>
+          </a:gradFill>
+        </p:spPr>
+        <p:txBody>
+          <a:bodyPr vert="horz" lIns="91440" tIns="45720" rIns="91440" bIns="45720" rtlCol="0" anchor="ctr">
+            <a:normAutofit/>
+          </a:bodyPr>
+          <a:lstStyle/>
+          <a:p>
+            <a:pPr lvl="0">
+              <a:spcBef>
+                <a:spcPct val="0"/>
+              </a:spcBef>
+            </a:pPr>
+            <a:r>
+              <a:rPr lang="en-US" sz="1600" dirty="0">
+                <a:hlinkClick r:id="rId2"/>
+              </a:rPr>
+              <a:t>https://www.youtube.com/watch?v=AiyK0idr4uM&amp;list=PLZbbT5o_s2xrfNyHZsM6ufI0iZENK9xgG&amp;index=6</a:t>
+            </a:r>
+            <a:endParaRPr kumimoji="0" lang="zh-TW" altLang="en-US" sz="1600" b="0" i="0" u="none" strike="noStrike" kern="1200" cap="none" spc="0" normalizeH="0" baseline="0" noProof="0" dirty="0">
+              <a:ln>
+                <a:noFill/>
+              </a:ln>
+              <a:solidFill>
+                <a:schemeClr val="tx1"/>
+              </a:solidFill>
+              <a:effectLst/>
+              <a:uLnTx/>
+              <a:uFillTx/>
+              <a:latin typeface="+mj-lt"/>
+              <a:ea typeface="+mj-ea"/>
+              <a:cs typeface="+mj-cs"/>
+            </a:endParaRPr>
+          </a:p>
+        </p:txBody>
+      </p:sp>
+      <p:sp>
+        <p:nvSpPr>
+          <p:cNvPr id="5" name="日期版面配置區 4"/>
+          <p:cNvSpPr>
+            <a:spLocks noGrp="1"/>
+          </p:cNvSpPr>
+          <p:nvPr>
+            <p:ph type="dt" sz="half" idx="10"/>
+          </p:nvPr>
+        </p:nvSpPr>
+        <p:spPr/>
+        <p:txBody>
+          <a:bodyPr/>
+          <a:lstStyle/>
+          <a:p>
+            <a:fld id="{A4F910E6-8D00-4BAF-8C48-9688E0B449D3}" type="datetime1">
+              <a:rPr lang="zh-TW" altLang="en-US" smtClean="0"/>
+              <a:pPr/>
+              <a:t>2020/5/30</a:t>
+            </a:fld>
+            <a:endParaRPr lang="zh-TW" altLang="en-US"/>
+          </a:p>
+        </p:txBody>
+      </p:sp>
+      <p:sp>
+        <p:nvSpPr>
+          <p:cNvPr id="6" name="投影片編號版面配置區 5"/>
+          <p:cNvSpPr>
+            <a:spLocks noGrp="1"/>
+          </p:cNvSpPr>
+          <p:nvPr>
+            <p:ph type="sldNum" sz="quarter" idx="12"/>
+          </p:nvPr>
+        </p:nvSpPr>
+        <p:spPr/>
+        <p:txBody>
+          <a:bodyPr/>
+          <a:lstStyle/>
+          <a:p>
+            <a:fld id="{E4D7E63D-91F2-4366-A2C4-1B00C9E2590E}" type="slidenum">
+              <a:rPr lang="zh-TW" altLang="en-US" smtClean="0"/>
+              <a:pPr/>
+              <a:t>18</a:t>
+            </a:fld>
+            <a:endParaRPr lang="zh-TW" altLang="en-US"/>
+          </a:p>
+        </p:txBody>
+      </p:sp>
+      <p:pic>
+        <p:nvPicPr>
+          <p:cNvPr id="7" name="Picture 6">
+            <a:extLst>
+              <a:ext uri="{FF2B5EF4-FFF2-40B4-BE49-F238E27FC236}">
+                <a16:creationId xmlns:a16="http://schemas.microsoft.com/office/drawing/2014/main" id="{F7C16756-0B7E-495D-9076-F75B812C28F3}"/>
+              </a:ext>
+            </a:extLst>
+          </p:cNvPr>
+          <p:cNvPicPr>
+            <a:picLocks noChangeAspect="1"/>
+          </p:cNvPicPr>
+          <p:nvPr/>
+        </p:nvPicPr>
+        <p:blipFill>
+          <a:blip r:embed="rId3"/>
+          <a:stretch>
+            <a:fillRect/>
+          </a:stretch>
+        </p:blipFill>
+        <p:spPr>
+          <a:xfrm>
+            <a:off x="1691680" y="1250382"/>
+            <a:ext cx="6781800" cy="4362450"/>
+          </a:xfrm>
+          <a:prstGeom prst="rect">
+            <a:avLst/>
+          </a:prstGeom>
+          <a:ln>
+            <a:solidFill>
+              <a:srgbClr val="C00000"/>
+            </a:solidFill>
+          </a:ln>
+        </p:spPr>
+      </p:pic>
+    </p:spTree>
+    <p:extLst>
+      <p:ext uri="{BB962C8B-B14F-4D97-AF65-F5344CB8AC3E}">
+        <p14:creationId xmlns:p14="http://schemas.microsoft.com/office/powerpoint/2010/main" val="1853679356"/>
+      </p:ext>
+    </p:extLst>
+  </p:cSld>
+  <p:clrMapOvr>
+    <a:masterClrMapping/>
+  </p:clrMapOvr>
+</p:sld>
+</file>
+
+<file path=ppt/slides/slide19.xml><?xml version="1.0" encoding="utf-8"?>
+<p:sld xmlns:a="http://schemas.openxmlformats.org/drawingml/2006/main" xmlns:r="http://schemas.openxmlformats.org/officeDocument/2006/relationships" xmlns:p="http://schemas.openxmlformats.org/presentationml/2006/main">
+  <p:cSld>
+    <p:spTree>
+      <p:nvGrpSpPr>
+        <p:cNvPr id="1" name=""/>
+        <p:cNvGrpSpPr/>
+        <p:nvPr/>
+      </p:nvGrpSpPr>
+      <p:grpSpPr>
+        <a:xfrm>
+          <a:off x="0" y="0"/>
+          <a:ext cx="0" cy="0"/>
+          <a:chOff x="0" y="0"/>
+          <a:chExt cx="0" cy="0"/>
+        </a:xfrm>
+      </p:grpSpPr>
+      <p:sp>
+        <p:nvSpPr>
+          <p:cNvPr id="2" name="標題 1"/>
+          <p:cNvSpPr>
+            <a:spLocks noGrp="1"/>
+          </p:cNvSpPr>
+          <p:nvPr>
+            <p:ph type="ctrTitle"/>
+          </p:nvPr>
+        </p:nvSpPr>
+        <p:spPr>
+          <a:xfrm>
+            <a:off x="0" y="1"/>
+            <a:ext cx="9144000" cy="764704"/>
+          </a:xfrm>
+          <a:gradFill flip="none" rotWithShape="1">
+            <a:gsLst>
+              <a:gs pos="0">
+                <a:srgbClr val="C00000">
+                  <a:shade val="30000"/>
+                  <a:satMod val="115000"/>
+                </a:srgbClr>
+              </a:gs>
+              <a:gs pos="50000">
+                <a:srgbClr val="C00000">
+                  <a:shade val="67500"/>
+                  <a:satMod val="115000"/>
+                </a:srgbClr>
+              </a:gs>
+              <a:gs pos="100000">
+                <a:srgbClr val="C00000">
+                  <a:shade val="100000"/>
+                  <a:satMod val="115000"/>
+                </a:srgbClr>
+              </a:gs>
+            </a:gsLst>
+            <a:path path="circle">
+              <a:fillToRect t="100000" r="100000"/>
+            </a:path>
+            <a:tileRect l="-100000" b="-100000"/>
+          </a:gradFill>
+        </p:spPr>
+        <p:txBody>
+          <a:bodyPr>
+            <a:normAutofit/>
+          </a:bodyPr>
+          <a:lstStyle/>
+          <a:p>
+            <a:pPr algn="l"/>
+            <a:r>
+              <a:rPr lang="en-US" altLang="zh-TW" b="1" dirty="0">
+                <a:solidFill>
+                  <a:srgbClr val="FFFF00"/>
+                </a:solidFill>
+              </a:rPr>
+              <a:t>6.5 Quiz</a:t>
+            </a:r>
+            <a:endParaRPr lang="zh-TW" altLang="en-US" b="1" dirty="0">
+              <a:solidFill>
+                <a:srgbClr val="FFFF00"/>
+              </a:solidFill>
+            </a:endParaRPr>
+          </a:p>
+        </p:txBody>
+      </p:sp>
+      <p:sp>
+        <p:nvSpPr>
+          <p:cNvPr id="3" name="副標題 2"/>
+          <p:cNvSpPr>
+            <a:spLocks noGrp="1"/>
+          </p:cNvSpPr>
+          <p:nvPr>
+            <p:ph type="subTitle" idx="1"/>
+          </p:nvPr>
+        </p:nvSpPr>
+        <p:spPr>
+          <a:xfrm>
+            <a:off x="467544" y="1268758"/>
+            <a:ext cx="1080120" cy="360040"/>
+          </a:xfrm>
+          <a:ln>
+            <a:solidFill>
+              <a:srgbClr val="C00000"/>
+            </a:solidFill>
+          </a:ln>
+        </p:spPr>
+        <p:txBody>
+          <a:bodyPr>
+            <a:noAutofit/>
+          </a:bodyPr>
+          <a:lstStyle/>
+          <a:p>
+            <a:pPr marL="342900" indent="-342900" algn="l">
+              <a:buClr>
+                <a:srgbClr val="0070C0"/>
+              </a:buClr>
+              <a:buSzPct val="80000"/>
+              <a:buFont typeface="Wingdings" pitchFamily="2" charset="2"/>
+              <a:buChar char="u"/>
+            </a:pPr>
+            <a:r>
+              <a:rPr lang="en-US" sz="1800" b="1" dirty="0">
+                <a:solidFill>
+                  <a:schemeClr val="tx1"/>
+                </a:solidFill>
+              </a:rPr>
+              <a:t>Quiz</a:t>
+            </a:r>
+          </a:p>
+        </p:txBody>
+      </p:sp>
+      <p:sp>
+        <p:nvSpPr>
+          <p:cNvPr id="4" name="標題 1"/>
+          <p:cNvSpPr txBox="1">
+            <a:spLocks/>
+          </p:cNvSpPr>
+          <p:nvPr/>
+        </p:nvSpPr>
+        <p:spPr>
+          <a:xfrm>
+            <a:off x="0" y="764704"/>
+            <a:ext cx="9144000" cy="360040"/>
+          </a:xfrm>
+          <a:prstGeom prst="rect">
+            <a:avLst/>
+          </a:prstGeom>
+          <a:gradFill flip="none" rotWithShape="1">
+            <a:gsLst>
+              <a:gs pos="0">
+                <a:srgbClr val="00B0F0">
+                  <a:shade val="30000"/>
+                  <a:satMod val="115000"/>
+                </a:srgbClr>
+              </a:gs>
+              <a:gs pos="50000">
+                <a:srgbClr val="00B0F0">
+                  <a:shade val="67500"/>
+                  <a:satMod val="115000"/>
+                </a:srgbClr>
+              </a:gs>
+              <a:gs pos="100000">
+                <a:srgbClr val="00B0F0">
+                  <a:shade val="100000"/>
+                  <a:satMod val="115000"/>
+                </a:srgbClr>
+              </a:gs>
+            </a:gsLst>
+            <a:path path="circle">
+              <a:fillToRect t="100000" r="100000"/>
+            </a:path>
+            <a:tileRect l="-100000" b="-100000"/>
+          </a:gradFill>
+        </p:spPr>
+        <p:txBody>
+          <a:bodyPr vert="horz" lIns="91440" tIns="45720" rIns="91440" bIns="45720" rtlCol="0" anchor="ctr">
+            <a:normAutofit/>
+          </a:bodyPr>
+          <a:lstStyle/>
+          <a:p>
+            <a:pPr lvl="0">
+              <a:spcBef>
+                <a:spcPct val="0"/>
+              </a:spcBef>
+            </a:pPr>
+            <a:r>
+              <a:rPr lang="en-US" sz="1600" dirty="0">
+                <a:hlinkClick r:id="rId2"/>
+              </a:rPr>
+              <a:t>https://www.youtube.com/watch?v=AiyK0idr4uM&amp;list=PLZbbT5o_s2xrfNyHZsM6ufI0iZENK9xgG&amp;index=6</a:t>
+            </a:r>
+            <a:endParaRPr kumimoji="0" lang="zh-TW" altLang="en-US" sz="1600" b="0" i="0" u="none" strike="noStrike" kern="1200" cap="none" spc="0" normalizeH="0" baseline="0" noProof="0" dirty="0">
+              <a:ln>
+                <a:noFill/>
+              </a:ln>
+              <a:solidFill>
+                <a:schemeClr val="tx1"/>
+              </a:solidFill>
+              <a:effectLst/>
+              <a:uLnTx/>
+              <a:uFillTx/>
+              <a:latin typeface="+mj-lt"/>
+              <a:ea typeface="+mj-ea"/>
+              <a:cs typeface="+mj-cs"/>
+            </a:endParaRPr>
+          </a:p>
+        </p:txBody>
+      </p:sp>
+      <p:sp>
+        <p:nvSpPr>
+          <p:cNvPr id="5" name="日期版面配置區 4"/>
+          <p:cNvSpPr>
+            <a:spLocks noGrp="1"/>
+          </p:cNvSpPr>
+          <p:nvPr>
+            <p:ph type="dt" sz="half" idx="10"/>
+          </p:nvPr>
+        </p:nvSpPr>
+        <p:spPr/>
+        <p:txBody>
+          <a:bodyPr/>
+          <a:lstStyle/>
+          <a:p>
+            <a:fld id="{A4F910E6-8D00-4BAF-8C48-9688E0B449D3}" type="datetime1">
+              <a:rPr lang="zh-TW" altLang="en-US" smtClean="0"/>
+              <a:pPr/>
+              <a:t>2020/5/30</a:t>
+            </a:fld>
+            <a:endParaRPr lang="zh-TW" altLang="en-US"/>
+          </a:p>
+        </p:txBody>
+      </p:sp>
+      <p:sp>
+        <p:nvSpPr>
+          <p:cNvPr id="6" name="投影片編號版面配置區 5"/>
+          <p:cNvSpPr>
+            <a:spLocks noGrp="1"/>
+          </p:cNvSpPr>
+          <p:nvPr>
+            <p:ph type="sldNum" sz="quarter" idx="12"/>
+          </p:nvPr>
+        </p:nvSpPr>
+        <p:spPr/>
+        <p:txBody>
+          <a:bodyPr/>
+          <a:lstStyle/>
+          <a:p>
+            <a:fld id="{E4D7E63D-91F2-4366-A2C4-1B00C9E2590E}" type="slidenum">
+              <a:rPr lang="zh-TW" altLang="en-US" smtClean="0"/>
+              <a:pPr/>
+              <a:t>19</a:t>
+            </a:fld>
+            <a:endParaRPr lang="zh-TW" altLang="en-US"/>
+          </a:p>
+        </p:txBody>
+      </p:sp>
+      <p:pic>
+        <p:nvPicPr>
+          <p:cNvPr id="8" name="Picture 7">
+            <a:extLst>
+              <a:ext uri="{FF2B5EF4-FFF2-40B4-BE49-F238E27FC236}">
+                <a16:creationId xmlns:a16="http://schemas.microsoft.com/office/drawing/2014/main" id="{BAAE2113-A5C8-4FFA-8E56-909DD94D5E5A}"/>
+              </a:ext>
+            </a:extLst>
+          </p:cNvPr>
+          <p:cNvPicPr>
+            <a:picLocks noChangeAspect="1"/>
+          </p:cNvPicPr>
+          <p:nvPr/>
+        </p:nvPicPr>
+        <p:blipFill>
+          <a:blip r:embed="rId3"/>
+          <a:stretch>
+            <a:fillRect/>
+          </a:stretch>
+        </p:blipFill>
+        <p:spPr>
+          <a:xfrm>
+            <a:off x="1763688" y="1255311"/>
+            <a:ext cx="6810375" cy="4143375"/>
+          </a:xfrm>
+          <a:prstGeom prst="rect">
+            <a:avLst/>
+          </a:prstGeom>
+          <a:ln>
+            <a:solidFill>
+              <a:srgbClr val="C00000"/>
+            </a:solidFill>
+          </a:ln>
+        </p:spPr>
+      </p:pic>
+    </p:spTree>
+    <p:extLst>
+      <p:ext uri="{BB962C8B-B14F-4D97-AF65-F5344CB8AC3E}">
+        <p14:creationId xmlns:p14="http://schemas.microsoft.com/office/powerpoint/2010/main" val="905084944"/>
+      </p:ext>
+    </p:extLst>
+  </p:cSld>
+  <p:clrMapOvr>
+    <a:masterClrMapping/>
+  </p:clrMapOvr>
+</p:sld>
+</file>
+
+<file path=ppt/slides/slide2.xml><?xml version="1.0" encoding="utf-8"?>
+<p:sld xmlns:a="http://schemas.openxmlformats.org/drawingml/2006/main" xmlns:r="http://schemas.openxmlformats.org/officeDocument/2006/relationships" xmlns:p="http://schemas.openxmlformats.org/presentationml/2006/main">
+  <p:cSld>
+    <p:spTree>
+      <p:nvGrpSpPr>
+        <p:cNvPr id="1" name=""/>
+        <p:cNvGrpSpPr/>
+        <p:nvPr/>
+      </p:nvGrpSpPr>
+      <p:grpSpPr>
+        <a:xfrm>
+          <a:off x="0" y="0"/>
+          <a:ext cx="0" cy="0"/>
+          <a:chOff x="0" y="0"/>
+          <a:chExt cx="0" cy="0"/>
+        </a:xfrm>
+      </p:grpSpPr>
+      <p:sp>
+        <p:nvSpPr>
+          <p:cNvPr id="2" name="標題 1"/>
+          <p:cNvSpPr>
+            <a:spLocks noGrp="1"/>
+          </p:cNvSpPr>
+          <p:nvPr>
+            <p:ph type="ctrTitle"/>
+          </p:nvPr>
+        </p:nvSpPr>
+        <p:spPr>
+          <a:xfrm>
+            <a:off x="0" y="1"/>
+            <a:ext cx="9144000" cy="764704"/>
+          </a:xfrm>
+          <a:gradFill flip="none" rotWithShape="1">
+            <a:gsLst>
+              <a:gs pos="0">
+                <a:srgbClr val="C00000">
+                  <a:shade val="30000"/>
+                  <a:satMod val="115000"/>
+                </a:srgbClr>
+              </a:gs>
+              <a:gs pos="50000">
+                <a:srgbClr val="C00000">
+                  <a:shade val="67500"/>
+                  <a:satMod val="115000"/>
+                </a:srgbClr>
+              </a:gs>
+              <a:gs pos="100000">
+                <a:srgbClr val="C00000">
+                  <a:shade val="100000"/>
+                  <a:satMod val="115000"/>
+                </a:srgbClr>
+              </a:gs>
+            </a:gsLst>
+            <a:path path="circle">
+              <a:fillToRect t="100000" r="100000"/>
+            </a:path>
+            <a:tileRect l="-100000" b="-100000"/>
+          </a:gradFill>
+        </p:spPr>
+        <p:txBody>
+          <a:bodyPr>
+            <a:normAutofit/>
+          </a:bodyPr>
+          <a:lstStyle/>
+          <a:p>
+            <a:pPr algn="l"/>
+            <a:r>
+              <a:rPr lang="en-US" altLang="zh-TW" b="1" dirty="0">
+                <a:solidFill>
+                  <a:srgbClr val="FFFF00"/>
+                </a:solidFill>
+              </a:rPr>
+              <a:t>6 Rank, Axes, and Shape</a:t>
+            </a:r>
+            <a:endParaRPr lang="zh-TW" altLang="en-US" b="1" dirty="0">
+              <a:solidFill>
+                <a:srgbClr val="FFFF00"/>
+              </a:solidFill>
+            </a:endParaRPr>
+          </a:p>
+        </p:txBody>
+      </p:sp>
+      <p:sp>
+        <p:nvSpPr>
+          <p:cNvPr id="3" name="副標題 2"/>
+          <p:cNvSpPr>
+            <a:spLocks noGrp="1"/>
+          </p:cNvSpPr>
+          <p:nvPr>
+            <p:ph type="subTitle" idx="1"/>
+          </p:nvPr>
+        </p:nvSpPr>
+        <p:spPr>
+          <a:xfrm>
+            <a:off x="467544" y="1268759"/>
+            <a:ext cx="8352928" cy="3024337"/>
+          </a:xfrm>
+          <a:ln>
+            <a:solidFill>
+              <a:srgbClr val="C00000"/>
+            </a:solidFill>
+          </a:ln>
+        </p:spPr>
+        <p:txBody>
+          <a:bodyPr>
+            <a:noAutofit/>
+          </a:bodyPr>
+          <a:lstStyle/>
+          <a:p>
+            <a:pPr marL="342900" indent="-342900" algn="l">
+              <a:buClr>
+                <a:srgbClr val="0070C0"/>
+              </a:buClr>
+              <a:buSzPct val="80000"/>
+              <a:buFont typeface="Wingdings" pitchFamily="2" charset="2"/>
+              <a:buChar char="u"/>
+            </a:pPr>
+            <a:r>
+              <a:rPr lang="en-US" sz="1800" b="1" dirty="0">
+                <a:solidFill>
+                  <a:schemeClr val="tx1"/>
+                </a:solidFill>
+              </a:rPr>
+              <a:t>Rank, Axes, and Shape</a:t>
+            </a:r>
+          </a:p>
+          <a:p>
+            <a:pPr marL="342900" indent="-342900" algn="l">
+              <a:buClr>
+                <a:srgbClr val="0070C0"/>
+              </a:buClr>
+              <a:buSzPct val="80000"/>
+              <a:buFont typeface="Wingdings" pitchFamily="2" charset="2"/>
+              <a:buChar char="u"/>
+            </a:pPr>
+            <a:r>
+              <a:rPr lang="en-US" sz="1800" dirty="0">
+                <a:solidFill>
+                  <a:schemeClr val="tx1"/>
+                </a:solidFill>
+              </a:rPr>
+              <a:t>Three fundamental tensor attributes: rank, axes, and Shape.</a:t>
+            </a:r>
+          </a:p>
+          <a:p>
+            <a:pPr marL="342900" indent="-342900" algn="l">
+              <a:buClr>
+                <a:srgbClr val="0070C0"/>
+              </a:buClr>
+              <a:buSzPct val="80000"/>
+              <a:buFont typeface="Wingdings" pitchFamily="2" charset="2"/>
+              <a:buChar char="u"/>
+            </a:pPr>
+            <a:r>
+              <a:rPr lang="en-US" sz="1800" b="1" dirty="0">
+                <a:solidFill>
+                  <a:srgbClr val="C00000"/>
+                </a:solidFill>
+              </a:rPr>
+              <a:t>What is the rank of Tensor?</a:t>
+            </a:r>
+          </a:p>
+          <a:p>
+            <a:pPr marL="342900" indent="-342900" algn="l">
+              <a:buClr>
+                <a:srgbClr val="0070C0"/>
+              </a:buClr>
+              <a:buSzPct val="80000"/>
+              <a:buFont typeface="Wingdings" pitchFamily="2" charset="2"/>
+              <a:buChar char="u"/>
+            </a:pPr>
+            <a:r>
+              <a:rPr lang="en-US" sz="1800" dirty="0">
+                <a:solidFill>
+                  <a:schemeClr val="tx1"/>
+                </a:solidFill>
+              </a:rPr>
+              <a:t>The</a:t>
+            </a:r>
+            <a:r>
+              <a:rPr lang="en-US" sz="1800" b="1" i="1" dirty="0">
+                <a:solidFill>
+                  <a:srgbClr val="C00000"/>
+                </a:solidFill>
+              </a:rPr>
+              <a:t> rank </a:t>
+            </a:r>
+            <a:r>
+              <a:rPr lang="en-US" sz="1800" dirty="0">
+                <a:solidFill>
+                  <a:schemeClr val="tx1"/>
+                </a:solidFill>
+              </a:rPr>
+              <a:t>of a tensor refers to the </a:t>
+            </a:r>
+            <a:r>
+              <a:rPr lang="en-US" sz="1800" b="1" dirty="0">
+                <a:solidFill>
+                  <a:srgbClr val="C00000"/>
+                </a:solidFill>
+              </a:rPr>
+              <a:t>number of dimensions </a:t>
+            </a:r>
+            <a:r>
+              <a:rPr lang="en-US" sz="1800" dirty="0">
+                <a:solidFill>
+                  <a:schemeClr val="tx1"/>
+                </a:solidFill>
+              </a:rPr>
+              <a:t>present within the tensor.</a:t>
+            </a:r>
+          </a:p>
+          <a:p>
+            <a:pPr marL="342900" indent="-342900" algn="l">
+              <a:buClr>
+                <a:srgbClr val="0070C0"/>
+              </a:buClr>
+              <a:buSzPct val="80000"/>
+              <a:buFont typeface="Wingdings" pitchFamily="2" charset="2"/>
+              <a:buChar char="u"/>
+            </a:pPr>
+            <a:r>
+              <a:rPr lang="en-US" sz="1800" dirty="0">
+                <a:solidFill>
+                  <a:schemeClr val="tx1"/>
+                </a:solidFill>
+              </a:rPr>
+              <a:t>Suppose we are told we have </a:t>
+            </a:r>
+            <a:r>
+              <a:rPr lang="en-US" sz="1800" b="1" dirty="0">
+                <a:solidFill>
+                  <a:srgbClr val="C00000"/>
+                </a:solidFill>
+              </a:rPr>
+              <a:t>rank-2 tensor</a:t>
+            </a:r>
+            <a:r>
+              <a:rPr lang="en-US" sz="1800" dirty="0">
+                <a:solidFill>
+                  <a:schemeClr val="tx1"/>
+                </a:solidFill>
+              </a:rPr>
+              <a:t>. This means all of the following:</a:t>
+            </a:r>
+          </a:p>
+          <a:p>
+            <a:pPr marL="800100" lvl="1" indent="-342900" algn="l">
+              <a:buClr>
+                <a:srgbClr val="0070C0"/>
+              </a:buClr>
+              <a:buSzPct val="80000"/>
+              <a:buFont typeface="Wingdings" pitchFamily="2" charset="2"/>
+              <a:buChar char="u"/>
+            </a:pPr>
+            <a:r>
+              <a:rPr lang="en-US" sz="1800" b="1" dirty="0">
+                <a:solidFill>
+                  <a:srgbClr val="C00000"/>
+                </a:solidFill>
+              </a:rPr>
+              <a:t>We have a matrix</a:t>
+            </a:r>
+          </a:p>
+          <a:p>
+            <a:pPr marL="800100" lvl="1" indent="-342900" algn="l">
+              <a:buClr>
+                <a:srgbClr val="0070C0"/>
+              </a:buClr>
+              <a:buSzPct val="80000"/>
+              <a:buFont typeface="Wingdings" pitchFamily="2" charset="2"/>
+              <a:buChar char="u"/>
+            </a:pPr>
+            <a:r>
+              <a:rPr lang="en-US" sz="1800" b="1" dirty="0">
+                <a:solidFill>
+                  <a:srgbClr val="C00000"/>
+                </a:solidFill>
+              </a:rPr>
+              <a:t>We have 2d-array</a:t>
+            </a:r>
+          </a:p>
+          <a:p>
+            <a:pPr marL="800100" lvl="1" indent="-342900" algn="l">
+              <a:buClr>
+                <a:srgbClr val="0070C0"/>
+              </a:buClr>
+              <a:buSzPct val="80000"/>
+              <a:buFont typeface="Wingdings" pitchFamily="2" charset="2"/>
+              <a:buChar char="u"/>
+            </a:pPr>
+            <a:r>
+              <a:rPr lang="en-US" sz="1800" b="1" dirty="0">
+                <a:solidFill>
+                  <a:srgbClr val="C00000"/>
+                </a:solidFill>
+              </a:rPr>
+              <a:t>We have 2d-tensor</a:t>
+            </a:r>
+          </a:p>
+          <a:p>
+            <a:pPr marL="342900" indent="-342900" algn="l">
+              <a:buClr>
+                <a:srgbClr val="0070C0"/>
+              </a:buClr>
+              <a:buSzPct val="80000"/>
+              <a:buFont typeface="Wingdings" pitchFamily="2" charset="2"/>
+              <a:buChar char="u"/>
+            </a:pPr>
+            <a:r>
+              <a:rPr lang="en-US" sz="1800" dirty="0">
+                <a:solidFill>
+                  <a:schemeClr val="tx1"/>
+                </a:solidFill>
+              </a:rPr>
+              <a:t>What is the rank tell us about the information?</a:t>
+            </a:r>
+          </a:p>
+          <a:p>
+            <a:pPr marL="342900" indent="-342900" algn="l">
+              <a:buClr>
+                <a:srgbClr val="0070C0"/>
+              </a:buClr>
+              <a:buSzPct val="80000"/>
+              <a:buFont typeface="Wingdings" pitchFamily="2" charset="2"/>
+              <a:buChar char="u"/>
+            </a:pPr>
+            <a:endParaRPr lang="en-US" sz="1800" b="1" dirty="0">
+              <a:solidFill>
+                <a:schemeClr val="tx1"/>
+              </a:solidFill>
+            </a:endParaRPr>
+          </a:p>
+        </p:txBody>
+      </p:sp>
+      <p:sp>
+        <p:nvSpPr>
+          <p:cNvPr id="4" name="標題 1"/>
+          <p:cNvSpPr txBox="1">
+            <a:spLocks/>
+          </p:cNvSpPr>
+          <p:nvPr/>
+        </p:nvSpPr>
+        <p:spPr>
+          <a:xfrm>
+            <a:off x="0" y="764704"/>
+            <a:ext cx="9144000" cy="360040"/>
+          </a:xfrm>
+          <a:prstGeom prst="rect">
+            <a:avLst/>
+          </a:prstGeom>
+          <a:gradFill flip="none" rotWithShape="1">
+            <a:gsLst>
+              <a:gs pos="0">
+                <a:srgbClr val="00B0F0">
+                  <a:shade val="30000"/>
+                  <a:satMod val="115000"/>
+                </a:srgbClr>
+              </a:gs>
+              <a:gs pos="50000">
+                <a:srgbClr val="00B0F0">
+                  <a:shade val="67500"/>
+                  <a:satMod val="115000"/>
+                </a:srgbClr>
+              </a:gs>
+              <a:gs pos="100000">
+                <a:srgbClr val="00B0F0">
+                  <a:shade val="100000"/>
+                  <a:satMod val="115000"/>
+                </a:srgbClr>
+              </a:gs>
+            </a:gsLst>
+            <a:path path="circle">
+              <a:fillToRect t="100000" r="100000"/>
+            </a:path>
+            <a:tileRect l="-100000" b="-100000"/>
+          </a:gradFill>
+        </p:spPr>
+        <p:txBody>
+          <a:bodyPr vert="horz" lIns="91440" tIns="45720" rIns="91440" bIns="45720" rtlCol="0" anchor="ctr">
+            <a:normAutofit/>
+          </a:bodyPr>
+          <a:lstStyle/>
+          <a:p>
+            <a:pPr lvl="0">
+              <a:spcBef>
+                <a:spcPct val="0"/>
+              </a:spcBef>
+            </a:pPr>
+            <a:r>
+              <a:rPr lang="en-US" sz="1600" dirty="0">
+                <a:hlinkClick r:id="rId2"/>
+              </a:rPr>
+              <a:t>https://www.youtube.com/watch?v=AiyK0idr4uM&amp;list=PLZbbT5o_s2xrfNyHZsM6ufI0iZENK9xgG&amp;index=6</a:t>
+            </a:r>
+            <a:endParaRPr kumimoji="0" lang="zh-TW" altLang="en-US" sz="1600" b="0" i="0" u="none" strike="noStrike" kern="1200" cap="none" spc="0" normalizeH="0" baseline="0" noProof="0" dirty="0">
+              <a:ln>
+                <a:noFill/>
+              </a:ln>
+              <a:solidFill>
+                <a:schemeClr val="tx1"/>
+              </a:solidFill>
+              <a:effectLst/>
+              <a:uLnTx/>
+              <a:uFillTx/>
+              <a:latin typeface="+mj-lt"/>
+              <a:ea typeface="+mj-ea"/>
+              <a:cs typeface="+mj-cs"/>
+            </a:endParaRPr>
+          </a:p>
+        </p:txBody>
+      </p:sp>
+      <p:sp>
+        <p:nvSpPr>
+          <p:cNvPr id="5" name="日期版面配置區 4"/>
+          <p:cNvSpPr>
+            <a:spLocks noGrp="1"/>
+          </p:cNvSpPr>
+          <p:nvPr>
+            <p:ph type="dt" sz="half" idx="10"/>
+          </p:nvPr>
+        </p:nvSpPr>
+        <p:spPr/>
+        <p:txBody>
+          <a:bodyPr/>
+          <a:lstStyle/>
+          <a:p>
+            <a:fld id="{A4F910E6-8D00-4BAF-8C48-9688E0B449D3}" type="datetime1">
+              <a:rPr lang="zh-TW" altLang="en-US" smtClean="0"/>
+              <a:pPr/>
+              <a:t>2020/5/30</a:t>
             </a:fld>
             <a:endParaRPr lang="zh-TW" altLang="en-US"/>
           </a:p>
@@ -5645,6 +7151,1949 @@
               <a:rPr lang="zh-TW" altLang="en-US" smtClean="0"/>
               <a:pPr/>
               <a:t>2</a:t>
+            </a:fld>
+            <a:endParaRPr lang="zh-TW" altLang="en-US"/>
+          </a:p>
+        </p:txBody>
+      </p:sp>
+    </p:spTree>
+  </p:cSld>
+  <p:clrMapOvr>
+    <a:masterClrMapping/>
+  </p:clrMapOvr>
+</p:sld>
+</file>
+
+<file path=ppt/slides/slide20.xml><?xml version="1.0" encoding="utf-8"?>
+<p:sld xmlns:a="http://schemas.openxmlformats.org/drawingml/2006/main" xmlns:r="http://schemas.openxmlformats.org/officeDocument/2006/relationships" xmlns:p="http://schemas.openxmlformats.org/presentationml/2006/main">
+  <p:cSld>
+    <p:spTree>
+      <p:nvGrpSpPr>
+        <p:cNvPr id="1" name=""/>
+        <p:cNvGrpSpPr/>
+        <p:nvPr/>
+      </p:nvGrpSpPr>
+      <p:grpSpPr>
+        <a:xfrm>
+          <a:off x="0" y="0"/>
+          <a:ext cx="0" cy="0"/>
+          <a:chOff x="0" y="0"/>
+          <a:chExt cx="0" cy="0"/>
+        </a:xfrm>
+      </p:grpSpPr>
+      <p:sp>
+        <p:nvSpPr>
+          <p:cNvPr id="2" name="標題 1"/>
+          <p:cNvSpPr>
+            <a:spLocks noGrp="1"/>
+          </p:cNvSpPr>
+          <p:nvPr>
+            <p:ph type="ctrTitle"/>
+          </p:nvPr>
+        </p:nvSpPr>
+        <p:spPr>
+          <a:xfrm>
+            <a:off x="0" y="1"/>
+            <a:ext cx="9144000" cy="764704"/>
+          </a:xfrm>
+          <a:gradFill flip="none" rotWithShape="1">
+            <a:gsLst>
+              <a:gs pos="0">
+                <a:srgbClr val="C00000">
+                  <a:shade val="30000"/>
+                  <a:satMod val="115000"/>
+                </a:srgbClr>
+              </a:gs>
+              <a:gs pos="50000">
+                <a:srgbClr val="C00000">
+                  <a:shade val="67500"/>
+                  <a:satMod val="115000"/>
+                </a:srgbClr>
+              </a:gs>
+              <a:gs pos="100000">
+                <a:srgbClr val="C00000">
+                  <a:shade val="100000"/>
+                  <a:satMod val="115000"/>
+                </a:srgbClr>
+              </a:gs>
+            </a:gsLst>
+            <a:path path="circle">
+              <a:fillToRect t="100000" r="100000"/>
+            </a:path>
+            <a:tileRect l="-100000" b="-100000"/>
+          </a:gradFill>
+        </p:spPr>
+        <p:txBody>
+          <a:bodyPr>
+            <a:normAutofit/>
+          </a:bodyPr>
+          <a:lstStyle/>
+          <a:p>
+            <a:pPr algn="l"/>
+            <a:r>
+              <a:rPr lang="en-US" altLang="zh-TW" b="1" dirty="0">
+                <a:solidFill>
+                  <a:srgbClr val="FFFF00"/>
+                </a:solidFill>
+              </a:rPr>
+              <a:t>6.5 Quiz</a:t>
+            </a:r>
+            <a:endParaRPr lang="zh-TW" altLang="en-US" b="1" dirty="0">
+              <a:solidFill>
+                <a:srgbClr val="FFFF00"/>
+              </a:solidFill>
+            </a:endParaRPr>
+          </a:p>
+        </p:txBody>
+      </p:sp>
+      <p:sp>
+        <p:nvSpPr>
+          <p:cNvPr id="3" name="副標題 2"/>
+          <p:cNvSpPr>
+            <a:spLocks noGrp="1"/>
+          </p:cNvSpPr>
+          <p:nvPr>
+            <p:ph type="subTitle" idx="1"/>
+          </p:nvPr>
+        </p:nvSpPr>
+        <p:spPr>
+          <a:xfrm>
+            <a:off x="467544" y="1268758"/>
+            <a:ext cx="1080120" cy="360040"/>
+          </a:xfrm>
+          <a:ln>
+            <a:solidFill>
+              <a:srgbClr val="C00000"/>
+            </a:solidFill>
+          </a:ln>
+        </p:spPr>
+        <p:txBody>
+          <a:bodyPr>
+            <a:noAutofit/>
+          </a:bodyPr>
+          <a:lstStyle/>
+          <a:p>
+            <a:pPr marL="342900" indent="-342900" algn="l">
+              <a:buClr>
+                <a:srgbClr val="0070C0"/>
+              </a:buClr>
+              <a:buSzPct val="80000"/>
+              <a:buFont typeface="Wingdings" pitchFamily="2" charset="2"/>
+              <a:buChar char="u"/>
+            </a:pPr>
+            <a:r>
+              <a:rPr lang="en-US" sz="1800" b="1" dirty="0">
+                <a:solidFill>
+                  <a:schemeClr val="tx1"/>
+                </a:solidFill>
+              </a:rPr>
+              <a:t>Quiz</a:t>
+            </a:r>
+          </a:p>
+        </p:txBody>
+      </p:sp>
+      <p:sp>
+        <p:nvSpPr>
+          <p:cNvPr id="4" name="標題 1"/>
+          <p:cNvSpPr txBox="1">
+            <a:spLocks/>
+          </p:cNvSpPr>
+          <p:nvPr/>
+        </p:nvSpPr>
+        <p:spPr>
+          <a:xfrm>
+            <a:off x="0" y="764704"/>
+            <a:ext cx="9144000" cy="360040"/>
+          </a:xfrm>
+          <a:prstGeom prst="rect">
+            <a:avLst/>
+          </a:prstGeom>
+          <a:gradFill flip="none" rotWithShape="1">
+            <a:gsLst>
+              <a:gs pos="0">
+                <a:srgbClr val="00B0F0">
+                  <a:shade val="30000"/>
+                  <a:satMod val="115000"/>
+                </a:srgbClr>
+              </a:gs>
+              <a:gs pos="50000">
+                <a:srgbClr val="00B0F0">
+                  <a:shade val="67500"/>
+                  <a:satMod val="115000"/>
+                </a:srgbClr>
+              </a:gs>
+              <a:gs pos="100000">
+                <a:srgbClr val="00B0F0">
+                  <a:shade val="100000"/>
+                  <a:satMod val="115000"/>
+                </a:srgbClr>
+              </a:gs>
+            </a:gsLst>
+            <a:path path="circle">
+              <a:fillToRect t="100000" r="100000"/>
+            </a:path>
+            <a:tileRect l="-100000" b="-100000"/>
+          </a:gradFill>
+        </p:spPr>
+        <p:txBody>
+          <a:bodyPr vert="horz" lIns="91440" tIns="45720" rIns="91440" bIns="45720" rtlCol="0" anchor="ctr">
+            <a:normAutofit/>
+          </a:bodyPr>
+          <a:lstStyle/>
+          <a:p>
+            <a:pPr lvl="0">
+              <a:spcBef>
+                <a:spcPct val="0"/>
+              </a:spcBef>
+            </a:pPr>
+            <a:r>
+              <a:rPr lang="en-US" sz="1600" dirty="0">
+                <a:hlinkClick r:id="rId2"/>
+              </a:rPr>
+              <a:t>https://www.youtube.com/watch?v=AiyK0idr4uM&amp;list=PLZbbT5o_s2xrfNyHZsM6ufI0iZENK9xgG&amp;index=6</a:t>
+            </a:r>
+            <a:endParaRPr kumimoji="0" lang="zh-TW" altLang="en-US" sz="1600" b="0" i="0" u="none" strike="noStrike" kern="1200" cap="none" spc="0" normalizeH="0" baseline="0" noProof="0" dirty="0">
+              <a:ln>
+                <a:noFill/>
+              </a:ln>
+              <a:solidFill>
+                <a:schemeClr val="tx1"/>
+              </a:solidFill>
+              <a:effectLst/>
+              <a:uLnTx/>
+              <a:uFillTx/>
+              <a:latin typeface="+mj-lt"/>
+              <a:ea typeface="+mj-ea"/>
+              <a:cs typeface="+mj-cs"/>
+            </a:endParaRPr>
+          </a:p>
+        </p:txBody>
+      </p:sp>
+      <p:sp>
+        <p:nvSpPr>
+          <p:cNvPr id="5" name="日期版面配置區 4"/>
+          <p:cNvSpPr>
+            <a:spLocks noGrp="1"/>
+          </p:cNvSpPr>
+          <p:nvPr>
+            <p:ph type="dt" sz="half" idx="10"/>
+          </p:nvPr>
+        </p:nvSpPr>
+        <p:spPr/>
+        <p:txBody>
+          <a:bodyPr/>
+          <a:lstStyle/>
+          <a:p>
+            <a:fld id="{A4F910E6-8D00-4BAF-8C48-9688E0B449D3}" type="datetime1">
+              <a:rPr lang="zh-TW" altLang="en-US" smtClean="0"/>
+              <a:pPr/>
+              <a:t>2020/5/30</a:t>
+            </a:fld>
+            <a:endParaRPr lang="zh-TW" altLang="en-US"/>
+          </a:p>
+        </p:txBody>
+      </p:sp>
+      <p:sp>
+        <p:nvSpPr>
+          <p:cNvPr id="6" name="投影片編號版面配置區 5"/>
+          <p:cNvSpPr>
+            <a:spLocks noGrp="1"/>
+          </p:cNvSpPr>
+          <p:nvPr>
+            <p:ph type="sldNum" sz="quarter" idx="12"/>
+          </p:nvPr>
+        </p:nvSpPr>
+        <p:spPr/>
+        <p:txBody>
+          <a:bodyPr/>
+          <a:lstStyle/>
+          <a:p>
+            <a:fld id="{E4D7E63D-91F2-4366-A2C4-1B00C9E2590E}" type="slidenum">
+              <a:rPr lang="zh-TW" altLang="en-US" smtClean="0"/>
+              <a:pPr/>
+              <a:t>20</a:t>
+            </a:fld>
+            <a:endParaRPr lang="zh-TW" altLang="en-US"/>
+          </a:p>
+        </p:txBody>
+      </p:sp>
+      <p:pic>
+        <p:nvPicPr>
+          <p:cNvPr id="7" name="Picture 6">
+            <a:extLst>
+              <a:ext uri="{FF2B5EF4-FFF2-40B4-BE49-F238E27FC236}">
+                <a16:creationId xmlns:a16="http://schemas.microsoft.com/office/drawing/2014/main" id="{E8C5F956-AD30-4B75-B559-E22E01C8CF1F}"/>
+              </a:ext>
+            </a:extLst>
+          </p:cNvPr>
+          <p:cNvPicPr>
+            <a:picLocks noChangeAspect="1"/>
+          </p:cNvPicPr>
+          <p:nvPr/>
+        </p:nvPicPr>
+        <p:blipFill>
+          <a:blip r:embed="rId3"/>
+          <a:stretch>
+            <a:fillRect/>
+          </a:stretch>
+        </p:blipFill>
+        <p:spPr>
+          <a:xfrm>
+            <a:off x="1691680" y="1263644"/>
+            <a:ext cx="6886575" cy="4400550"/>
+          </a:xfrm>
+          <a:prstGeom prst="rect">
+            <a:avLst/>
+          </a:prstGeom>
+          <a:ln>
+            <a:solidFill>
+              <a:srgbClr val="C00000"/>
+            </a:solidFill>
+          </a:ln>
+        </p:spPr>
+      </p:pic>
+    </p:spTree>
+    <p:extLst>
+      <p:ext uri="{BB962C8B-B14F-4D97-AF65-F5344CB8AC3E}">
+        <p14:creationId xmlns:p14="http://schemas.microsoft.com/office/powerpoint/2010/main" val="2405890089"/>
+      </p:ext>
+    </p:extLst>
+  </p:cSld>
+  <p:clrMapOvr>
+    <a:masterClrMapping/>
+  </p:clrMapOvr>
+</p:sld>
+</file>
+
+<file path=ppt/slides/slide21.xml><?xml version="1.0" encoding="utf-8"?>
+<p:sld xmlns:a="http://schemas.openxmlformats.org/drawingml/2006/main" xmlns:r="http://schemas.openxmlformats.org/officeDocument/2006/relationships" xmlns:p="http://schemas.openxmlformats.org/presentationml/2006/main">
+  <p:cSld>
+    <p:spTree>
+      <p:nvGrpSpPr>
+        <p:cNvPr id="1" name=""/>
+        <p:cNvGrpSpPr/>
+        <p:nvPr/>
+      </p:nvGrpSpPr>
+      <p:grpSpPr>
+        <a:xfrm>
+          <a:off x="0" y="0"/>
+          <a:ext cx="0" cy="0"/>
+          <a:chOff x="0" y="0"/>
+          <a:chExt cx="0" cy="0"/>
+        </a:xfrm>
+      </p:grpSpPr>
+      <p:sp>
+        <p:nvSpPr>
+          <p:cNvPr id="2" name="標題 1"/>
+          <p:cNvSpPr>
+            <a:spLocks noGrp="1"/>
+          </p:cNvSpPr>
+          <p:nvPr>
+            <p:ph type="ctrTitle"/>
+          </p:nvPr>
+        </p:nvSpPr>
+        <p:spPr>
+          <a:xfrm>
+            <a:off x="0" y="1"/>
+            <a:ext cx="9144000" cy="764704"/>
+          </a:xfrm>
+          <a:gradFill flip="none" rotWithShape="1">
+            <a:gsLst>
+              <a:gs pos="0">
+                <a:srgbClr val="C00000">
+                  <a:shade val="30000"/>
+                  <a:satMod val="115000"/>
+                </a:srgbClr>
+              </a:gs>
+              <a:gs pos="50000">
+                <a:srgbClr val="C00000">
+                  <a:shade val="67500"/>
+                  <a:satMod val="115000"/>
+                </a:srgbClr>
+              </a:gs>
+              <a:gs pos="100000">
+                <a:srgbClr val="C00000">
+                  <a:shade val="100000"/>
+                  <a:satMod val="115000"/>
+                </a:srgbClr>
+              </a:gs>
+            </a:gsLst>
+            <a:path path="circle">
+              <a:fillToRect t="100000" r="100000"/>
+            </a:path>
+            <a:tileRect l="-100000" b="-100000"/>
+          </a:gradFill>
+        </p:spPr>
+        <p:txBody>
+          <a:bodyPr>
+            <a:normAutofit/>
+          </a:bodyPr>
+          <a:lstStyle/>
+          <a:p>
+            <a:pPr algn="l"/>
+            <a:r>
+              <a:rPr lang="en-US" altLang="zh-TW" b="1" dirty="0">
+                <a:solidFill>
+                  <a:srgbClr val="FFFF00"/>
+                </a:solidFill>
+              </a:rPr>
+              <a:t>6.5 Quiz</a:t>
+            </a:r>
+            <a:endParaRPr lang="zh-TW" altLang="en-US" b="1" dirty="0">
+              <a:solidFill>
+                <a:srgbClr val="FFFF00"/>
+              </a:solidFill>
+            </a:endParaRPr>
+          </a:p>
+        </p:txBody>
+      </p:sp>
+      <p:sp>
+        <p:nvSpPr>
+          <p:cNvPr id="3" name="副標題 2"/>
+          <p:cNvSpPr>
+            <a:spLocks noGrp="1"/>
+          </p:cNvSpPr>
+          <p:nvPr>
+            <p:ph type="subTitle" idx="1"/>
+          </p:nvPr>
+        </p:nvSpPr>
+        <p:spPr>
+          <a:xfrm>
+            <a:off x="467544" y="1268758"/>
+            <a:ext cx="1080120" cy="360040"/>
+          </a:xfrm>
+          <a:ln>
+            <a:solidFill>
+              <a:srgbClr val="C00000"/>
+            </a:solidFill>
+          </a:ln>
+        </p:spPr>
+        <p:txBody>
+          <a:bodyPr>
+            <a:noAutofit/>
+          </a:bodyPr>
+          <a:lstStyle/>
+          <a:p>
+            <a:pPr marL="342900" indent="-342900" algn="l">
+              <a:buClr>
+                <a:srgbClr val="0070C0"/>
+              </a:buClr>
+              <a:buSzPct val="80000"/>
+              <a:buFont typeface="Wingdings" pitchFamily="2" charset="2"/>
+              <a:buChar char="u"/>
+            </a:pPr>
+            <a:r>
+              <a:rPr lang="en-US" sz="1800" b="1" dirty="0">
+                <a:solidFill>
+                  <a:schemeClr val="tx1"/>
+                </a:solidFill>
+              </a:rPr>
+              <a:t>Quiz</a:t>
+            </a:r>
+          </a:p>
+        </p:txBody>
+      </p:sp>
+      <p:sp>
+        <p:nvSpPr>
+          <p:cNvPr id="4" name="標題 1"/>
+          <p:cNvSpPr txBox="1">
+            <a:spLocks/>
+          </p:cNvSpPr>
+          <p:nvPr/>
+        </p:nvSpPr>
+        <p:spPr>
+          <a:xfrm>
+            <a:off x="0" y="764704"/>
+            <a:ext cx="9144000" cy="360040"/>
+          </a:xfrm>
+          <a:prstGeom prst="rect">
+            <a:avLst/>
+          </a:prstGeom>
+          <a:gradFill flip="none" rotWithShape="1">
+            <a:gsLst>
+              <a:gs pos="0">
+                <a:srgbClr val="00B0F0">
+                  <a:shade val="30000"/>
+                  <a:satMod val="115000"/>
+                </a:srgbClr>
+              </a:gs>
+              <a:gs pos="50000">
+                <a:srgbClr val="00B0F0">
+                  <a:shade val="67500"/>
+                  <a:satMod val="115000"/>
+                </a:srgbClr>
+              </a:gs>
+              <a:gs pos="100000">
+                <a:srgbClr val="00B0F0">
+                  <a:shade val="100000"/>
+                  <a:satMod val="115000"/>
+                </a:srgbClr>
+              </a:gs>
+            </a:gsLst>
+            <a:path path="circle">
+              <a:fillToRect t="100000" r="100000"/>
+            </a:path>
+            <a:tileRect l="-100000" b="-100000"/>
+          </a:gradFill>
+        </p:spPr>
+        <p:txBody>
+          <a:bodyPr vert="horz" lIns="91440" tIns="45720" rIns="91440" bIns="45720" rtlCol="0" anchor="ctr">
+            <a:normAutofit/>
+          </a:bodyPr>
+          <a:lstStyle/>
+          <a:p>
+            <a:pPr lvl="0">
+              <a:spcBef>
+                <a:spcPct val="0"/>
+              </a:spcBef>
+            </a:pPr>
+            <a:r>
+              <a:rPr lang="en-US" sz="1600" dirty="0">
+                <a:hlinkClick r:id="rId2"/>
+              </a:rPr>
+              <a:t>https://www.youtube.com/watch?v=AiyK0idr4uM&amp;list=PLZbbT5o_s2xrfNyHZsM6ufI0iZENK9xgG&amp;index=6</a:t>
+            </a:r>
+            <a:endParaRPr kumimoji="0" lang="zh-TW" altLang="en-US" sz="1600" b="0" i="0" u="none" strike="noStrike" kern="1200" cap="none" spc="0" normalizeH="0" baseline="0" noProof="0" dirty="0">
+              <a:ln>
+                <a:noFill/>
+              </a:ln>
+              <a:solidFill>
+                <a:schemeClr val="tx1"/>
+              </a:solidFill>
+              <a:effectLst/>
+              <a:uLnTx/>
+              <a:uFillTx/>
+              <a:latin typeface="+mj-lt"/>
+              <a:ea typeface="+mj-ea"/>
+              <a:cs typeface="+mj-cs"/>
+            </a:endParaRPr>
+          </a:p>
+        </p:txBody>
+      </p:sp>
+      <p:sp>
+        <p:nvSpPr>
+          <p:cNvPr id="5" name="日期版面配置區 4"/>
+          <p:cNvSpPr>
+            <a:spLocks noGrp="1"/>
+          </p:cNvSpPr>
+          <p:nvPr>
+            <p:ph type="dt" sz="half" idx="10"/>
+          </p:nvPr>
+        </p:nvSpPr>
+        <p:spPr/>
+        <p:txBody>
+          <a:bodyPr/>
+          <a:lstStyle/>
+          <a:p>
+            <a:fld id="{A4F910E6-8D00-4BAF-8C48-9688E0B449D3}" type="datetime1">
+              <a:rPr lang="zh-TW" altLang="en-US" smtClean="0"/>
+              <a:pPr/>
+              <a:t>2020/5/30</a:t>
+            </a:fld>
+            <a:endParaRPr lang="zh-TW" altLang="en-US"/>
+          </a:p>
+        </p:txBody>
+      </p:sp>
+      <p:sp>
+        <p:nvSpPr>
+          <p:cNvPr id="6" name="投影片編號版面配置區 5"/>
+          <p:cNvSpPr>
+            <a:spLocks noGrp="1"/>
+          </p:cNvSpPr>
+          <p:nvPr>
+            <p:ph type="sldNum" sz="quarter" idx="12"/>
+          </p:nvPr>
+        </p:nvSpPr>
+        <p:spPr/>
+        <p:txBody>
+          <a:bodyPr/>
+          <a:lstStyle/>
+          <a:p>
+            <a:fld id="{E4D7E63D-91F2-4366-A2C4-1B00C9E2590E}" type="slidenum">
+              <a:rPr lang="zh-TW" altLang="en-US" smtClean="0"/>
+              <a:pPr/>
+              <a:t>21</a:t>
+            </a:fld>
+            <a:endParaRPr lang="zh-TW" altLang="en-US"/>
+          </a:p>
+        </p:txBody>
+      </p:sp>
+      <p:pic>
+        <p:nvPicPr>
+          <p:cNvPr id="8" name="Picture 7">
+            <a:extLst>
+              <a:ext uri="{FF2B5EF4-FFF2-40B4-BE49-F238E27FC236}">
+                <a16:creationId xmlns:a16="http://schemas.microsoft.com/office/drawing/2014/main" id="{9A5F5157-446F-4EBC-AE22-CC1A46E3E40A}"/>
+              </a:ext>
+            </a:extLst>
+          </p:cNvPr>
+          <p:cNvPicPr>
+            <a:picLocks noChangeAspect="1"/>
+          </p:cNvPicPr>
+          <p:nvPr/>
+        </p:nvPicPr>
+        <p:blipFill>
+          <a:blip r:embed="rId3"/>
+          <a:stretch>
+            <a:fillRect/>
+          </a:stretch>
+        </p:blipFill>
+        <p:spPr>
+          <a:xfrm>
+            <a:off x="1763688" y="1230121"/>
+            <a:ext cx="5128031" cy="5206486"/>
+          </a:xfrm>
+          <a:prstGeom prst="rect">
+            <a:avLst/>
+          </a:prstGeom>
+          <a:ln>
+            <a:solidFill>
+              <a:srgbClr val="C00000"/>
+            </a:solidFill>
+          </a:ln>
+        </p:spPr>
+      </p:pic>
+    </p:spTree>
+    <p:extLst>
+      <p:ext uri="{BB962C8B-B14F-4D97-AF65-F5344CB8AC3E}">
+        <p14:creationId xmlns:p14="http://schemas.microsoft.com/office/powerpoint/2010/main" val="2378942316"/>
+      </p:ext>
+    </p:extLst>
+  </p:cSld>
+  <p:clrMapOvr>
+    <a:masterClrMapping/>
+  </p:clrMapOvr>
+</p:sld>
+</file>
+
+<file path=ppt/slides/slide22.xml><?xml version="1.0" encoding="utf-8"?>
+<p:sld xmlns:a="http://schemas.openxmlformats.org/drawingml/2006/main" xmlns:r="http://schemas.openxmlformats.org/officeDocument/2006/relationships" xmlns:p="http://schemas.openxmlformats.org/presentationml/2006/main">
+  <p:cSld>
+    <p:spTree>
+      <p:nvGrpSpPr>
+        <p:cNvPr id="1" name=""/>
+        <p:cNvGrpSpPr/>
+        <p:nvPr/>
+      </p:nvGrpSpPr>
+      <p:grpSpPr>
+        <a:xfrm>
+          <a:off x="0" y="0"/>
+          <a:ext cx="0" cy="0"/>
+          <a:chOff x="0" y="0"/>
+          <a:chExt cx="0" cy="0"/>
+        </a:xfrm>
+      </p:grpSpPr>
+      <p:sp>
+        <p:nvSpPr>
+          <p:cNvPr id="2" name="標題 1"/>
+          <p:cNvSpPr>
+            <a:spLocks noGrp="1"/>
+          </p:cNvSpPr>
+          <p:nvPr>
+            <p:ph type="ctrTitle"/>
+          </p:nvPr>
+        </p:nvSpPr>
+        <p:spPr>
+          <a:xfrm>
+            <a:off x="0" y="1"/>
+            <a:ext cx="9144000" cy="764704"/>
+          </a:xfrm>
+          <a:gradFill flip="none" rotWithShape="1">
+            <a:gsLst>
+              <a:gs pos="0">
+                <a:srgbClr val="C00000">
+                  <a:shade val="30000"/>
+                  <a:satMod val="115000"/>
+                </a:srgbClr>
+              </a:gs>
+              <a:gs pos="50000">
+                <a:srgbClr val="C00000">
+                  <a:shade val="67500"/>
+                  <a:satMod val="115000"/>
+                </a:srgbClr>
+              </a:gs>
+              <a:gs pos="100000">
+                <a:srgbClr val="C00000">
+                  <a:shade val="100000"/>
+                  <a:satMod val="115000"/>
+                </a:srgbClr>
+              </a:gs>
+            </a:gsLst>
+            <a:path path="circle">
+              <a:fillToRect t="100000" r="100000"/>
+            </a:path>
+            <a:tileRect l="-100000" b="-100000"/>
+          </a:gradFill>
+        </p:spPr>
+        <p:txBody>
+          <a:bodyPr>
+            <a:normAutofit/>
+          </a:bodyPr>
+          <a:lstStyle/>
+          <a:p>
+            <a:pPr algn="l"/>
+            <a:r>
+              <a:rPr lang="en-US" altLang="zh-TW" b="1" dirty="0">
+                <a:solidFill>
+                  <a:srgbClr val="FFFF00"/>
+                </a:solidFill>
+              </a:rPr>
+              <a:t>6.5 Quiz</a:t>
+            </a:r>
+            <a:endParaRPr lang="zh-TW" altLang="en-US" b="1" dirty="0">
+              <a:solidFill>
+                <a:srgbClr val="FFFF00"/>
+              </a:solidFill>
+            </a:endParaRPr>
+          </a:p>
+        </p:txBody>
+      </p:sp>
+      <p:sp>
+        <p:nvSpPr>
+          <p:cNvPr id="3" name="副標題 2"/>
+          <p:cNvSpPr>
+            <a:spLocks noGrp="1"/>
+          </p:cNvSpPr>
+          <p:nvPr>
+            <p:ph type="subTitle" idx="1"/>
+          </p:nvPr>
+        </p:nvSpPr>
+        <p:spPr>
+          <a:xfrm>
+            <a:off x="467544" y="1268758"/>
+            <a:ext cx="1080120" cy="360040"/>
+          </a:xfrm>
+          <a:ln>
+            <a:solidFill>
+              <a:srgbClr val="C00000"/>
+            </a:solidFill>
+          </a:ln>
+        </p:spPr>
+        <p:txBody>
+          <a:bodyPr>
+            <a:noAutofit/>
+          </a:bodyPr>
+          <a:lstStyle/>
+          <a:p>
+            <a:pPr marL="342900" indent="-342900" algn="l">
+              <a:buClr>
+                <a:srgbClr val="0070C0"/>
+              </a:buClr>
+              <a:buSzPct val="80000"/>
+              <a:buFont typeface="Wingdings" pitchFamily="2" charset="2"/>
+              <a:buChar char="u"/>
+            </a:pPr>
+            <a:r>
+              <a:rPr lang="en-US" sz="1800" b="1" dirty="0">
+                <a:solidFill>
+                  <a:schemeClr val="tx1"/>
+                </a:solidFill>
+              </a:rPr>
+              <a:t>Quiz</a:t>
+            </a:r>
+          </a:p>
+        </p:txBody>
+      </p:sp>
+      <p:sp>
+        <p:nvSpPr>
+          <p:cNvPr id="4" name="標題 1"/>
+          <p:cNvSpPr txBox="1">
+            <a:spLocks/>
+          </p:cNvSpPr>
+          <p:nvPr/>
+        </p:nvSpPr>
+        <p:spPr>
+          <a:xfrm>
+            <a:off x="0" y="764704"/>
+            <a:ext cx="9144000" cy="360040"/>
+          </a:xfrm>
+          <a:prstGeom prst="rect">
+            <a:avLst/>
+          </a:prstGeom>
+          <a:gradFill flip="none" rotWithShape="1">
+            <a:gsLst>
+              <a:gs pos="0">
+                <a:srgbClr val="00B0F0">
+                  <a:shade val="30000"/>
+                  <a:satMod val="115000"/>
+                </a:srgbClr>
+              </a:gs>
+              <a:gs pos="50000">
+                <a:srgbClr val="00B0F0">
+                  <a:shade val="67500"/>
+                  <a:satMod val="115000"/>
+                </a:srgbClr>
+              </a:gs>
+              <a:gs pos="100000">
+                <a:srgbClr val="00B0F0">
+                  <a:shade val="100000"/>
+                  <a:satMod val="115000"/>
+                </a:srgbClr>
+              </a:gs>
+            </a:gsLst>
+            <a:path path="circle">
+              <a:fillToRect t="100000" r="100000"/>
+            </a:path>
+            <a:tileRect l="-100000" b="-100000"/>
+          </a:gradFill>
+        </p:spPr>
+        <p:txBody>
+          <a:bodyPr vert="horz" lIns="91440" tIns="45720" rIns="91440" bIns="45720" rtlCol="0" anchor="ctr">
+            <a:normAutofit/>
+          </a:bodyPr>
+          <a:lstStyle/>
+          <a:p>
+            <a:pPr lvl="0">
+              <a:spcBef>
+                <a:spcPct val="0"/>
+              </a:spcBef>
+            </a:pPr>
+            <a:r>
+              <a:rPr lang="en-US" sz="1600" dirty="0">
+                <a:hlinkClick r:id="rId2"/>
+              </a:rPr>
+              <a:t>https://www.youtube.com/watch?v=AiyK0idr4uM&amp;list=PLZbbT5o_s2xrfNyHZsM6ufI0iZENK9xgG&amp;index=6</a:t>
+            </a:r>
+            <a:endParaRPr kumimoji="0" lang="zh-TW" altLang="en-US" sz="1600" b="0" i="0" u="none" strike="noStrike" kern="1200" cap="none" spc="0" normalizeH="0" baseline="0" noProof="0" dirty="0">
+              <a:ln>
+                <a:noFill/>
+              </a:ln>
+              <a:solidFill>
+                <a:schemeClr val="tx1"/>
+              </a:solidFill>
+              <a:effectLst/>
+              <a:uLnTx/>
+              <a:uFillTx/>
+              <a:latin typeface="+mj-lt"/>
+              <a:ea typeface="+mj-ea"/>
+              <a:cs typeface="+mj-cs"/>
+            </a:endParaRPr>
+          </a:p>
+        </p:txBody>
+      </p:sp>
+      <p:sp>
+        <p:nvSpPr>
+          <p:cNvPr id="5" name="日期版面配置區 4"/>
+          <p:cNvSpPr>
+            <a:spLocks noGrp="1"/>
+          </p:cNvSpPr>
+          <p:nvPr>
+            <p:ph type="dt" sz="half" idx="10"/>
+          </p:nvPr>
+        </p:nvSpPr>
+        <p:spPr/>
+        <p:txBody>
+          <a:bodyPr/>
+          <a:lstStyle/>
+          <a:p>
+            <a:fld id="{A4F910E6-8D00-4BAF-8C48-9688E0B449D3}" type="datetime1">
+              <a:rPr lang="zh-TW" altLang="en-US" smtClean="0"/>
+              <a:pPr/>
+              <a:t>2020/5/30</a:t>
+            </a:fld>
+            <a:endParaRPr lang="zh-TW" altLang="en-US"/>
+          </a:p>
+        </p:txBody>
+      </p:sp>
+      <p:sp>
+        <p:nvSpPr>
+          <p:cNvPr id="6" name="投影片編號版面配置區 5"/>
+          <p:cNvSpPr>
+            <a:spLocks noGrp="1"/>
+          </p:cNvSpPr>
+          <p:nvPr>
+            <p:ph type="sldNum" sz="quarter" idx="12"/>
+          </p:nvPr>
+        </p:nvSpPr>
+        <p:spPr/>
+        <p:txBody>
+          <a:bodyPr/>
+          <a:lstStyle/>
+          <a:p>
+            <a:fld id="{E4D7E63D-91F2-4366-A2C4-1B00C9E2590E}" type="slidenum">
+              <a:rPr lang="zh-TW" altLang="en-US" smtClean="0"/>
+              <a:pPr/>
+              <a:t>22</a:t>
+            </a:fld>
+            <a:endParaRPr lang="zh-TW" altLang="en-US"/>
+          </a:p>
+        </p:txBody>
+      </p:sp>
+      <p:pic>
+        <p:nvPicPr>
+          <p:cNvPr id="7" name="Picture 6">
+            <a:extLst>
+              <a:ext uri="{FF2B5EF4-FFF2-40B4-BE49-F238E27FC236}">
+                <a16:creationId xmlns:a16="http://schemas.microsoft.com/office/drawing/2014/main" id="{7FCA8E7C-D8E2-4D30-8450-DF454E8A7AA7}"/>
+              </a:ext>
+            </a:extLst>
+          </p:cNvPr>
+          <p:cNvPicPr>
+            <a:picLocks noChangeAspect="1"/>
+          </p:cNvPicPr>
+          <p:nvPr/>
+        </p:nvPicPr>
+        <p:blipFill>
+          <a:blip r:embed="rId3"/>
+          <a:stretch>
+            <a:fillRect/>
+          </a:stretch>
+        </p:blipFill>
+        <p:spPr>
+          <a:xfrm>
+            <a:off x="1835696" y="1296322"/>
+            <a:ext cx="6067425" cy="5267325"/>
+          </a:xfrm>
+          <a:prstGeom prst="rect">
+            <a:avLst/>
+          </a:prstGeom>
+          <a:ln>
+            <a:solidFill>
+              <a:srgbClr val="C00000"/>
+            </a:solidFill>
+          </a:ln>
+        </p:spPr>
+      </p:pic>
+    </p:spTree>
+    <p:extLst>
+      <p:ext uri="{BB962C8B-B14F-4D97-AF65-F5344CB8AC3E}">
+        <p14:creationId xmlns:p14="http://schemas.microsoft.com/office/powerpoint/2010/main" val="1709559148"/>
+      </p:ext>
+    </p:extLst>
+  </p:cSld>
+  <p:clrMapOvr>
+    <a:masterClrMapping/>
+  </p:clrMapOvr>
+</p:sld>
+</file>
+
+<file path=ppt/slides/slide23.xml><?xml version="1.0" encoding="utf-8"?>
+<p:sld xmlns:a="http://schemas.openxmlformats.org/drawingml/2006/main" xmlns:r="http://schemas.openxmlformats.org/officeDocument/2006/relationships" xmlns:p="http://schemas.openxmlformats.org/presentationml/2006/main">
+  <p:cSld>
+    <p:spTree>
+      <p:nvGrpSpPr>
+        <p:cNvPr id="1" name=""/>
+        <p:cNvGrpSpPr/>
+        <p:nvPr/>
+      </p:nvGrpSpPr>
+      <p:grpSpPr>
+        <a:xfrm>
+          <a:off x="0" y="0"/>
+          <a:ext cx="0" cy="0"/>
+          <a:chOff x="0" y="0"/>
+          <a:chExt cx="0" cy="0"/>
+        </a:xfrm>
+      </p:grpSpPr>
+      <p:sp>
+        <p:nvSpPr>
+          <p:cNvPr id="2" name="標題 1"/>
+          <p:cNvSpPr>
+            <a:spLocks noGrp="1"/>
+          </p:cNvSpPr>
+          <p:nvPr>
+            <p:ph type="ctrTitle"/>
+          </p:nvPr>
+        </p:nvSpPr>
+        <p:spPr>
+          <a:xfrm>
+            <a:off x="0" y="1"/>
+            <a:ext cx="9144000" cy="764704"/>
+          </a:xfrm>
+          <a:gradFill flip="none" rotWithShape="1">
+            <a:gsLst>
+              <a:gs pos="0">
+                <a:srgbClr val="C00000">
+                  <a:shade val="30000"/>
+                  <a:satMod val="115000"/>
+                </a:srgbClr>
+              </a:gs>
+              <a:gs pos="50000">
+                <a:srgbClr val="C00000">
+                  <a:shade val="67500"/>
+                  <a:satMod val="115000"/>
+                </a:srgbClr>
+              </a:gs>
+              <a:gs pos="100000">
+                <a:srgbClr val="C00000">
+                  <a:shade val="100000"/>
+                  <a:satMod val="115000"/>
+                </a:srgbClr>
+              </a:gs>
+            </a:gsLst>
+            <a:path path="circle">
+              <a:fillToRect t="100000" r="100000"/>
+            </a:path>
+            <a:tileRect l="-100000" b="-100000"/>
+          </a:gradFill>
+        </p:spPr>
+        <p:txBody>
+          <a:bodyPr>
+            <a:normAutofit/>
+          </a:bodyPr>
+          <a:lstStyle/>
+          <a:p>
+            <a:pPr algn="l"/>
+            <a:r>
+              <a:rPr lang="en-US" altLang="zh-TW" b="1" dirty="0">
+                <a:solidFill>
+                  <a:srgbClr val="FFFF00"/>
+                </a:solidFill>
+              </a:rPr>
+              <a:t>6.5 Quiz</a:t>
+            </a:r>
+            <a:endParaRPr lang="zh-TW" altLang="en-US" b="1" dirty="0">
+              <a:solidFill>
+                <a:srgbClr val="FFFF00"/>
+              </a:solidFill>
+            </a:endParaRPr>
+          </a:p>
+        </p:txBody>
+      </p:sp>
+      <p:sp>
+        <p:nvSpPr>
+          <p:cNvPr id="3" name="副標題 2"/>
+          <p:cNvSpPr>
+            <a:spLocks noGrp="1"/>
+          </p:cNvSpPr>
+          <p:nvPr>
+            <p:ph type="subTitle" idx="1"/>
+          </p:nvPr>
+        </p:nvSpPr>
+        <p:spPr>
+          <a:xfrm>
+            <a:off x="467544" y="1268758"/>
+            <a:ext cx="1080120" cy="360040"/>
+          </a:xfrm>
+          <a:ln>
+            <a:solidFill>
+              <a:srgbClr val="C00000"/>
+            </a:solidFill>
+          </a:ln>
+        </p:spPr>
+        <p:txBody>
+          <a:bodyPr>
+            <a:noAutofit/>
+          </a:bodyPr>
+          <a:lstStyle/>
+          <a:p>
+            <a:pPr marL="342900" indent="-342900" algn="l">
+              <a:buClr>
+                <a:srgbClr val="0070C0"/>
+              </a:buClr>
+              <a:buSzPct val="80000"/>
+              <a:buFont typeface="Wingdings" pitchFamily="2" charset="2"/>
+              <a:buChar char="u"/>
+            </a:pPr>
+            <a:r>
+              <a:rPr lang="en-US" sz="1800" b="1" dirty="0">
+                <a:solidFill>
+                  <a:schemeClr val="tx1"/>
+                </a:solidFill>
+              </a:rPr>
+              <a:t>Quiz</a:t>
+            </a:r>
+          </a:p>
+        </p:txBody>
+      </p:sp>
+      <p:sp>
+        <p:nvSpPr>
+          <p:cNvPr id="4" name="標題 1"/>
+          <p:cNvSpPr txBox="1">
+            <a:spLocks/>
+          </p:cNvSpPr>
+          <p:nvPr/>
+        </p:nvSpPr>
+        <p:spPr>
+          <a:xfrm>
+            <a:off x="0" y="764704"/>
+            <a:ext cx="9144000" cy="360040"/>
+          </a:xfrm>
+          <a:prstGeom prst="rect">
+            <a:avLst/>
+          </a:prstGeom>
+          <a:gradFill flip="none" rotWithShape="1">
+            <a:gsLst>
+              <a:gs pos="0">
+                <a:srgbClr val="00B0F0">
+                  <a:shade val="30000"/>
+                  <a:satMod val="115000"/>
+                </a:srgbClr>
+              </a:gs>
+              <a:gs pos="50000">
+                <a:srgbClr val="00B0F0">
+                  <a:shade val="67500"/>
+                  <a:satMod val="115000"/>
+                </a:srgbClr>
+              </a:gs>
+              <a:gs pos="100000">
+                <a:srgbClr val="00B0F0">
+                  <a:shade val="100000"/>
+                  <a:satMod val="115000"/>
+                </a:srgbClr>
+              </a:gs>
+            </a:gsLst>
+            <a:path path="circle">
+              <a:fillToRect t="100000" r="100000"/>
+            </a:path>
+            <a:tileRect l="-100000" b="-100000"/>
+          </a:gradFill>
+        </p:spPr>
+        <p:txBody>
+          <a:bodyPr vert="horz" lIns="91440" tIns="45720" rIns="91440" bIns="45720" rtlCol="0" anchor="ctr">
+            <a:normAutofit/>
+          </a:bodyPr>
+          <a:lstStyle/>
+          <a:p>
+            <a:pPr lvl="0">
+              <a:spcBef>
+                <a:spcPct val="0"/>
+              </a:spcBef>
+            </a:pPr>
+            <a:r>
+              <a:rPr lang="en-US" sz="1600" dirty="0">
+                <a:hlinkClick r:id="rId2"/>
+              </a:rPr>
+              <a:t>https://www.youtube.com/watch?v=AiyK0idr4uM&amp;list=PLZbbT5o_s2xrfNyHZsM6ufI0iZENK9xgG&amp;index=6</a:t>
+            </a:r>
+            <a:endParaRPr kumimoji="0" lang="zh-TW" altLang="en-US" sz="1600" b="0" i="0" u="none" strike="noStrike" kern="1200" cap="none" spc="0" normalizeH="0" baseline="0" noProof="0" dirty="0">
+              <a:ln>
+                <a:noFill/>
+              </a:ln>
+              <a:solidFill>
+                <a:schemeClr val="tx1"/>
+              </a:solidFill>
+              <a:effectLst/>
+              <a:uLnTx/>
+              <a:uFillTx/>
+              <a:latin typeface="+mj-lt"/>
+              <a:ea typeface="+mj-ea"/>
+              <a:cs typeface="+mj-cs"/>
+            </a:endParaRPr>
+          </a:p>
+        </p:txBody>
+      </p:sp>
+      <p:sp>
+        <p:nvSpPr>
+          <p:cNvPr id="5" name="日期版面配置區 4"/>
+          <p:cNvSpPr>
+            <a:spLocks noGrp="1"/>
+          </p:cNvSpPr>
+          <p:nvPr>
+            <p:ph type="dt" sz="half" idx="10"/>
+          </p:nvPr>
+        </p:nvSpPr>
+        <p:spPr/>
+        <p:txBody>
+          <a:bodyPr/>
+          <a:lstStyle/>
+          <a:p>
+            <a:fld id="{A4F910E6-8D00-4BAF-8C48-9688E0B449D3}" type="datetime1">
+              <a:rPr lang="zh-TW" altLang="en-US" smtClean="0"/>
+              <a:pPr/>
+              <a:t>2020/5/30</a:t>
+            </a:fld>
+            <a:endParaRPr lang="zh-TW" altLang="en-US"/>
+          </a:p>
+        </p:txBody>
+      </p:sp>
+      <p:sp>
+        <p:nvSpPr>
+          <p:cNvPr id="6" name="投影片編號版面配置區 5"/>
+          <p:cNvSpPr>
+            <a:spLocks noGrp="1"/>
+          </p:cNvSpPr>
+          <p:nvPr>
+            <p:ph type="sldNum" sz="quarter" idx="12"/>
+          </p:nvPr>
+        </p:nvSpPr>
+        <p:spPr/>
+        <p:txBody>
+          <a:bodyPr/>
+          <a:lstStyle/>
+          <a:p>
+            <a:fld id="{E4D7E63D-91F2-4366-A2C4-1B00C9E2590E}" type="slidenum">
+              <a:rPr lang="zh-TW" altLang="en-US" smtClean="0"/>
+              <a:pPr/>
+              <a:t>23</a:t>
+            </a:fld>
+            <a:endParaRPr lang="zh-TW" altLang="en-US"/>
+          </a:p>
+        </p:txBody>
+      </p:sp>
+      <p:pic>
+        <p:nvPicPr>
+          <p:cNvPr id="8" name="Picture 7">
+            <a:extLst>
+              <a:ext uri="{FF2B5EF4-FFF2-40B4-BE49-F238E27FC236}">
+                <a16:creationId xmlns:a16="http://schemas.microsoft.com/office/drawing/2014/main" id="{7559FAC5-AD3B-402E-8D41-40EFBEE14683}"/>
+              </a:ext>
+            </a:extLst>
+          </p:cNvPr>
+          <p:cNvPicPr>
+            <a:picLocks noChangeAspect="1"/>
+          </p:cNvPicPr>
+          <p:nvPr/>
+        </p:nvPicPr>
+        <p:blipFill>
+          <a:blip r:embed="rId3"/>
+          <a:stretch>
+            <a:fillRect/>
+          </a:stretch>
+        </p:blipFill>
+        <p:spPr>
+          <a:xfrm>
+            <a:off x="1793904" y="1234667"/>
+            <a:ext cx="5857875" cy="5324475"/>
+          </a:xfrm>
+          <a:prstGeom prst="rect">
+            <a:avLst/>
+          </a:prstGeom>
+          <a:ln>
+            <a:solidFill>
+              <a:srgbClr val="C00000"/>
+            </a:solidFill>
+          </a:ln>
+        </p:spPr>
+      </p:pic>
+    </p:spTree>
+    <p:extLst>
+      <p:ext uri="{BB962C8B-B14F-4D97-AF65-F5344CB8AC3E}">
+        <p14:creationId xmlns:p14="http://schemas.microsoft.com/office/powerpoint/2010/main" val="155061994"/>
+      </p:ext>
+    </p:extLst>
+  </p:cSld>
+  <p:clrMapOvr>
+    <a:masterClrMapping/>
+  </p:clrMapOvr>
+</p:sld>
+</file>
+
+<file path=ppt/slides/slide24.xml><?xml version="1.0" encoding="utf-8"?>
+<p:sld xmlns:a="http://schemas.openxmlformats.org/drawingml/2006/main" xmlns:r="http://schemas.openxmlformats.org/officeDocument/2006/relationships" xmlns:p="http://schemas.openxmlformats.org/presentationml/2006/main">
+  <p:cSld>
+    <p:spTree>
+      <p:nvGrpSpPr>
+        <p:cNvPr id="1" name=""/>
+        <p:cNvGrpSpPr/>
+        <p:nvPr/>
+      </p:nvGrpSpPr>
+      <p:grpSpPr>
+        <a:xfrm>
+          <a:off x="0" y="0"/>
+          <a:ext cx="0" cy="0"/>
+          <a:chOff x="0" y="0"/>
+          <a:chExt cx="0" cy="0"/>
+        </a:xfrm>
+      </p:grpSpPr>
+      <p:sp>
+        <p:nvSpPr>
+          <p:cNvPr id="2" name="標題 1"/>
+          <p:cNvSpPr>
+            <a:spLocks noGrp="1"/>
+          </p:cNvSpPr>
+          <p:nvPr>
+            <p:ph type="ctrTitle"/>
+          </p:nvPr>
+        </p:nvSpPr>
+        <p:spPr>
+          <a:xfrm>
+            <a:off x="0" y="1"/>
+            <a:ext cx="9144000" cy="764704"/>
+          </a:xfrm>
+          <a:gradFill flip="none" rotWithShape="1">
+            <a:gsLst>
+              <a:gs pos="0">
+                <a:srgbClr val="C00000">
+                  <a:shade val="30000"/>
+                  <a:satMod val="115000"/>
+                </a:srgbClr>
+              </a:gs>
+              <a:gs pos="50000">
+                <a:srgbClr val="C00000">
+                  <a:shade val="67500"/>
+                  <a:satMod val="115000"/>
+                </a:srgbClr>
+              </a:gs>
+              <a:gs pos="100000">
+                <a:srgbClr val="C00000">
+                  <a:shade val="100000"/>
+                  <a:satMod val="115000"/>
+                </a:srgbClr>
+              </a:gs>
+            </a:gsLst>
+            <a:path path="circle">
+              <a:fillToRect t="100000" r="100000"/>
+            </a:path>
+            <a:tileRect l="-100000" b="-100000"/>
+          </a:gradFill>
+        </p:spPr>
+        <p:txBody>
+          <a:bodyPr>
+            <a:normAutofit/>
+          </a:bodyPr>
+          <a:lstStyle/>
+          <a:p>
+            <a:pPr algn="l"/>
+            <a:r>
+              <a:rPr lang="en-US" altLang="zh-TW" b="1" dirty="0">
+                <a:solidFill>
+                  <a:srgbClr val="FFFF00"/>
+                </a:solidFill>
+              </a:rPr>
+              <a:t>6.5 Quiz</a:t>
+            </a:r>
+            <a:endParaRPr lang="zh-TW" altLang="en-US" b="1" dirty="0">
+              <a:solidFill>
+                <a:srgbClr val="FFFF00"/>
+              </a:solidFill>
+            </a:endParaRPr>
+          </a:p>
+        </p:txBody>
+      </p:sp>
+      <p:sp>
+        <p:nvSpPr>
+          <p:cNvPr id="3" name="副標題 2"/>
+          <p:cNvSpPr>
+            <a:spLocks noGrp="1"/>
+          </p:cNvSpPr>
+          <p:nvPr>
+            <p:ph type="subTitle" idx="1"/>
+          </p:nvPr>
+        </p:nvSpPr>
+        <p:spPr>
+          <a:xfrm>
+            <a:off x="467544" y="1268758"/>
+            <a:ext cx="1080120" cy="360040"/>
+          </a:xfrm>
+          <a:ln>
+            <a:solidFill>
+              <a:srgbClr val="C00000"/>
+            </a:solidFill>
+          </a:ln>
+        </p:spPr>
+        <p:txBody>
+          <a:bodyPr>
+            <a:noAutofit/>
+          </a:bodyPr>
+          <a:lstStyle/>
+          <a:p>
+            <a:pPr marL="342900" indent="-342900" algn="l">
+              <a:buClr>
+                <a:srgbClr val="0070C0"/>
+              </a:buClr>
+              <a:buSzPct val="80000"/>
+              <a:buFont typeface="Wingdings" pitchFamily="2" charset="2"/>
+              <a:buChar char="u"/>
+            </a:pPr>
+            <a:r>
+              <a:rPr lang="en-US" sz="1800" b="1" dirty="0">
+                <a:solidFill>
+                  <a:schemeClr val="tx1"/>
+                </a:solidFill>
+              </a:rPr>
+              <a:t>Quiz</a:t>
+            </a:r>
+          </a:p>
+        </p:txBody>
+      </p:sp>
+      <p:sp>
+        <p:nvSpPr>
+          <p:cNvPr id="4" name="標題 1"/>
+          <p:cNvSpPr txBox="1">
+            <a:spLocks/>
+          </p:cNvSpPr>
+          <p:nvPr/>
+        </p:nvSpPr>
+        <p:spPr>
+          <a:xfrm>
+            <a:off x="0" y="764704"/>
+            <a:ext cx="9144000" cy="360040"/>
+          </a:xfrm>
+          <a:prstGeom prst="rect">
+            <a:avLst/>
+          </a:prstGeom>
+          <a:gradFill flip="none" rotWithShape="1">
+            <a:gsLst>
+              <a:gs pos="0">
+                <a:srgbClr val="00B0F0">
+                  <a:shade val="30000"/>
+                  <a:satMod val="115000"/>
+                </a:srgbClr>
+              </a:gs>
+              <a:gs pos="50000">
+                <a:srgbClr val="00B0F0">
+                  <a:shade val="67500"/>
+                  <a:satMod val="115000"/>
+                </a:srgbClr>
+              </a:gs>
+              <a:gs pos="100000">
+                <a:srgbClr val="00B0F0">
+                  <a:shade val="100000"/>
+                  <a:satMod val="115000"/>
+                </a:srgbClr>
+              </a:gs>
+            </a:gsLst>
+            <a:path path="circle">
+              <a:fillToRect t="100000" r="100000"/>
+            </a:path>
+            <a:tileRect l="-100000" b="-100000"/>
+          </a:gradFill>
+        </p:spPr>
+        <p:txBody>
+          <a:bodyPr vert="horz" lIns="91440" tIns="45720" rIns="91440" bIns="45720" rtlCol="0" anchor="ctr">
+            <a:normAutofit/>
+          </a:bodyPr>
+          <a:lstStyle/>
+          <a:p>
+            <a:pPr lvl="0">
+              <a:spcBef>
+                <a:spcPct val="0"/>
+              </a:spcBef>
+            </a:pPr>
+            <a:r>
+              <a:rPr lang="en-US" sz="1600" dirty="0">
+                <a:hlinkClick r:id="rId2"/>
+              </a:rPr>
+              <a:t>https://www.youtube.com/watch?v=AiyK0idr4uM&amp;list=PLZbbT5o_s2xrfNyHZsM6ufI0iZENK9xgG&amp;index=6</a:t>
+            </a:r>
+            <a:endParaRPr kumimoji="0" lang="zh-TW" altLang="en-US" sz="1600" b="0" i="0" u="none" strike="noStrike" kern="1200" cap="none" spc="0" normalizeH="0" baseline="0" noProof="0" dirty="0">
+              <a:ln>
+                <a:noFill/>
+              </a:ln>
+              <a:solidFill>
+                <a:schemeClr val="tx1"/>
+              </a:solidFill>
+              <a:effectLst/>
+              <a:uLnTx/>
+              <a:uFillTx/>
+              <a:latin typeface="+mj-lt"/>
+              <a:ea typeface="+mj-ea"/>
+              <a:cs typeface="+mj-cs"/>
+            </a:endParaRPr>
+          </a:p>
+        </p:txBody>
+      </p:sp>
+      <p:sp>
+        <p:nvSpPr>
+          <p:cNvPr id="5" name="日期版面配置區 4"/>
+          <p:cNvSpPr>
+            <a:spLocks noGrp="1"/>
+          </p:cNvSpPr>
+          <p:nvPr>
+            <p:ph type="dt" sz="half" idx="10"/>
+          </p:nvPr>
+        </p:nvSpPr>
+        <p:spPr/>
+        <p:txBody>
+          <a:bodyPr/>
+          <a:lstStyle/>
+          <a:p>
+            <a:fld id="{A4F910E6-8D00-4BAF-8C48-9688E0B449D3}" type="datetime1">
+              <a:rPr lang="zh-TW" altLang="en-US" smtClean="0"/>
+              <a:pPr/>
+              <a:t>2020/5/30</a:t>
+            </a:fld>
+            <a:endParaRPr lang="zh-TW" altLang="en-US"/>
+          </a:p>
+        </p:txBody>
+      </p:sp>
+      <p:sp>
+        <p:nvSpPr>
+          <p:cNvPr id="6" name="投影片編號版面配置區 5"/>
+          <p:cNvSpPr>
+            <a:spLocks noGrp="1"/>
+          </p:cNvSpPr>
+          <p:nvPr>
+            <p:ph type="sldNum" sz="quarter" idx="12"/>
+          </p:nvPr>
+        </p:nvSpPr>
+        <p:spPr/>
+        <p:txBody>
+          <a:bodyPr/>
+          <a:lstStyle/>
+          <a:p>
+            <a:fld id="{E4D7E63D-91F2-4366-A2C4-1B00C9E2590E}" type="slidenum">
+              <a:rPr lang="zh-TW" altLang="en-US" smtClean="0"/>
+              <a:pPr/>
+              <a:t>24</a:t>
+            </a:fld>
+            <a:endParaRPr lang="zh-TW" altLang="en-US"/>
+          </a:p>
+        </p:txBody>
+      </p:sp>
+      <p:pic>
+        <p:nvPicPr>
+          <p:cNvPr id="7" name="Picture 6">
+            <a:extLst>
+              <a:ext uri="{FF2B5EF4-FFF2-40B4-BE49-F238E27FC236}">
+                <a16:creationId xmlns:a16="http://schemas.microsoft.com/office/drawing/2014/main" id="{D2AE2A74-400B-46AF-9CB6-1F1EDBA50681}"/>
+              </a:ext>
+            </a:extLst>
+          </p:cNvPr>
+          <p:cNvPicPr>
+            <a:picLocks noChangeAspect="1"/>
+          </p:cNvPicPr>
+          <p:nvPr/>
+        </p:nvPicPr>
+        <p:blipFill>
+          <a:blip r:embed="rId3"/>
+          <a:stretch>
+            <a:fillRect/>
+          </a:stretch>
+        </p:blipFill>
+        <p:spPr>
+          <a:xfrm>
+            <a:off x="1691680" y="1268758"/>
+            <a:ext cx="6667500" cy="4105275"/>
+          </a:xfrm>
+          <a:prstGeom prst="rect">
+            <a:avLst/>
+          </a:prstGeom>
+          <a:ln>
+            <a:solidFill>
+              <a:srgbClr val="C00000"/>
+            </a:solidFill>
+          </a:ln>
+        </p:spPr>
+      </p:pic>
+    </p:spTree>
+    <p:extLst>
+      <p:ext uri="{BB962C8B-B14F-4D97-AF65-F5344CB8AC3E}">
+        <p14:creationId xmlns:p14="http://schemas.microsoft.com/office/powerpoint/2010/main" val="470232857"/>
+      </p:ext>
+    </p:extLst>
+  </p:cSld>
+  <p:clrMapOvr>
+    <a:masterClrMapping/>
+  </p:clrMapOvr>
+</p:sld>
+</file>
+
+<file path=ppt/slides/slide25.xml><?xml version="1.0" encoding="utf-8"?>
+<p:sld xmlns:a="http://schemas.openxmlformats.org/drawingml/2006/main" xmlns:r="http://schemas.openxmlformats.org/officeDocument/2006/relationships" xmlns:p="http://schemas.openxmlformats.org/presentationml/2006/main">
+  <p:cSld>
+    <p:spTree>
+      <p:nvGrpSpPr>
+        <p:cNvPr id="1" name=""/>
+        <p:cNvGrpSpPr/>
+        <p:nvPr/>
+      </p:nvGrpSpPr>
+      <p:grpSpPr>
+        <a:xfrm>
+          <a:off x="0" y="0"/>
+          <a:ext cx="0" cy="0"/>
+          <a:chOff x="0" y="0"/>
+          <a:chExt cx="0" cy="0"/>
+        </a:xfrm>
+      </p:grpSpPr>
+      <p:sp>
+        <p:nvSpPr>
+          <p:cNvPr id="2" name="標題 1"/>
+          <p:cNvSpPr>
+            <a:spLocks noGrp="1"/>
+          </p:cNvSpPr>
+          <p:nvPr>
+            <p:ph type="ctrTitle"/>
+          </p:nvPr>
+        </p:nvSpPr>
+        <p:spPr>
+          <a:xfrm>
+            <a:off x="0" y="1"/>
+            <a:ext cx="9144000" cy="764704"/>
+          </a:xfrm>
+          <a:gradFill flip="none" rotWithShape="1">
+            <a:gsLst>
+              <a:gs pos="0">
+                <a:srgbClr val="C00000">
+                  <a:shade val="30000"/>
+                  <a:satMod val="115000"/>
+                </a:srgbClr>
+              </a:gs>
+              <a:gs pos="50000">
+                <a:srgbClr val="C00000">
+                  <a:shade val="67500"/>
+                  <a:satMod val="115000"/>
+                </a:srgbClr>
+              </a:gs>
+              <a:gs pos="100000">
+                <a:srgbClr val="C00000">
+                  <a:shade val="100000"/>
+                  <a:satMod val="115000"/>
+                </a:srgbClr>
+              </a:gs>
+            </a:gsLst>
+            <a:path path="circle">
+              <a:fillToRect t="100000" r="100000"/>
+            </a:path>
+            <a:tileRect l="-100000" b="-100000"/>
+          </a:gradFill>
+        </p:spPr>
+        <p:txBody>
+          <a:bodyPr>
+            <a:normAutofit/>
+          </a:bodyPr>
+          <a:lstStyle/>
+          <a:p>
+            <a:pPr algn="l"/>
+            <a:r>
+              <a:rPr lang="en-US" altLang="zh-TW" b="1" dirty="0">
+                <a:solidFill>
+                  <a:srgbClr val="FFFF00"/>
+                </a:solidFill>
+              </a:rPr>
+              <a:t>6.5 Quiz</a:t>
+            </a:r>
+            <a:endParaRPr lang="zh-TW" altLang="en-US" b="1" dirty="0">
+              <a:solidFill>
+                <a:srgbClr val="FFFF00"/>
+              </a:solidFill>
+            </a:endParaRPr>
+          </a:p>
+        </p:txBody>
+      </p:sp>
+      <p:sp>
+        <p:nvSpPr>
+          <p:cNvPr id="3" name="副標題 2"/>
+          <p:cNvSpPr>
+            <a:spLocks noGrp="1"/>
+          </p:cNvSpPr>
+          <p:nvPr>
+            <p:ph type="subTitle" idx="1"/>
+          </p:nvPr>
+        </p:nvSpPr>
+        <p:spPr>
+          <a:xfrm>
+            <a:off x="467544" y="1268758"/>
+            <a:ext cx="1080120" cy="360040"/>
+          </a:xfrm>
+          <a:ln>
+            <a:solidFill>
+              <a:srgbClr val="C00000"/>
+            </a:solidFill>
+          </a:ln>
+        </p:spPr>
+        <p:txBody>
+          <a:bodyPr>
+            <a:noAutofit/>
+          </a:bodyPr>
+          <a:lstStyle/>
+          <a:p>
+            <a:pPr marL="342900" indent="-342900" algn="l">
+              <a:buClr>
+                <a:srgbClr val="0070C0"/>
+              </a:buClr>
+              <a:buSzPct val="80000"/>
+              <a:buFont typeface="Wingdings" pitchFamily="2" charset="2"/>
+              <a:buChar char="u"/>
+            </a:pPr>
+            <a:r>
+              <a:rPr lang="en-US" sz="1800" b="1" dirty="0">
+                <a:solidFill>
+                  <a:schemeClr val="tx1"/>
+                </a:solidFill>
+              </a:rPr>
+              <a:t>Quiz</a:t>
+            </a:r>
+          </a:p>
+        </p:txBody>
+      </p:sp>
+      <p:sp>
+        <p:nvSpPr>
+          <p:cNvPr id="4" name="標題 1"/>
+          <p:cNvSpPr txBox="1">
+            <a:spLocks/>
+          </p:cNvSpPr>
+          <p:nvPr/>
+        </p:nvSpPr>
+        <p:spPr>
+          <a:xfrm>
+            <a:off x="0" y="764704"/>
+            <a:ext cx="9144000" cy="360040"/>
+          </a:xfrm>
+          <a:prstGeom prst="rect">
+            <a:avLst/>
+          </a:prstGeom>
+          <a:gradFill flip="none" rotWithShape="1">
+            <a:gsLst>
+              <a:gs pos="0">
+                <a:srgbClr val="00B0F0">
+                  <a:shade val="30000"/>
+                  <a:satMod val="115000"/>
+                </a:srgbClr>
+              </a:gs>
+              <a:gs pos="50000">
+                <a:srgbClr val="00B0F0">
+                  <a:shade val="67500"/>
+                  <a:satMod val="115000"/>
+                </a:srgbClr>
+              </a:gs>
+              <a:gs pos="100000">
+                <a:srgbClr val="00B0F0">
+                  <a:shade val="100000"/>
+                  <a:satMod val="115000"/>
+                </a:srgbClr>
+              </a:gs>
+            </a:gsLst>
+            <a:path path="circle">
+              <a:fillToRect t="100000" r="100000"/>
+            </a:path>
+            <a:tileRect l="-100000" b="-100000"/>
+          </a:gradFill>
+        </p:spPr>
+        <p:txBody>
+          <a:bodyPr vert="horz" lIns="91440" tIns="45720" rIns="91440" bIns="45720" rtlCol="0" anchor="ctr">
+            <a:normAutofit/>
+          </a:bodyPr>
+          <a:lstStyle/>
+          <a:p>
+            <a:pPr lvl="0">
+              <a:spcBef>
+                <a:spcPct val="0"/>
+              </a:spcBef>
+            </a:pPr>
+            <a:r>
+              <a:rPr lang="en-US" sz="1600" dirty="0">
+                <a:hlinkClick r:id="rId2"/>
+              </a:rPr>
+              <a:t>https://www.youtube.com/watch?v=AiyK0idr4uM&amp;list=PLZbbT5o_s2xrfNyHZsM6ufI0iZENK9xgG&amp;index=6</a:t>
+            </a:r>
+            <a:endParaRPr kumimoji="0" lang="zh-TW" altLang="en-US" sz="1600" b="0" i="0" u="none" strike="noStrike" kern="1200" cap="none" spc="0" normalizeH="0" baseline="0" noProof="0" dirty="0">
+              <a:ln>
+                <a:noFill/>
+              </a:ln>
+              <a:solidFill>
+                <a:schemeClr val="tx1"/>
+              </a:solidFill>
+              <a:effectLst/>
+              <a:uLnTx/>
+              <a:uFillTx/>
+              <a:latin typeface="+mj-lt"/>
+              <a:ea typeface="+mj-ea"/>
+              <a:cs typeface="+mj-cs"/>
+            </a:endParaRPr>
+          </a:p>
+        </p:txBody>
+      </p:sp>
+      <p:sp>
+        <p:nvSpPr>
+          <p:cNvPr id="5" name="日期版面配置區 4"/>
+          <p:cNvSpPr>
+            <a:spLocks noGrp="1"/>
+          </p:cNvSpPr>
+          <p:nvPr>
+            <p:ph type="dt" sz="half" idx="10"/>
+          </p:nvPr>
+        </p:nvSpPr>
+        <p:spPr/>
+        <p:txBody>
+          <a:bodyPr/>
+          <a:lstStyle/>
+          <a:p>
+            <a:fld id="{A4F910E6-8D00-4BAF-8C48-9688E0B449D3}" type="datetime1">
+              <a:rPr lang="zh-TW" altLang="en-US" smtClean="0"/>
+              <a:pPr/>
+              <a:t>2020/5/30</a:t>
+            </a:fld>
+            <a:endParaRPr lang="zh-TW" altLang="en-US"/>
+          </a:p>
+        </p:txBody>
+      </p:sp>
+      <p:sp>
+        <p:nvSpPr>
+          <p:cNvPr id="6" name="投影片編號版面配置區 5"/>
+          <p:cNvSpPr>
+            <a:spLocks noGrp="1"/>
+          </p:cNvSpPr>
+          <p:nvPr>
+            <p:ph type="sldNum" sz="quarter" idx="12"/>
+          </p:nvPr>
+        </p:nvSpPr>
+        <p:spPr/>
+        <p:txBody>
+          <a:bodyPr/>
+          <a:lstStyle/>
+          <a:p>
+            <a:fld id="{E4D7E63D-91F2-4366-A2C4-1B00C9E2590E}" type="slidenum">
+              <a:rPr lang="zh-TW" altLang="en-US" smtClean="0"/>
+              <a:pPr/>
+              <a:t>25</a:t>
+            </a:fld>
+            <a:endParaRPr lang="zh-TW" altLang="en-US"/>
+          </a:p>
+        </p:txBody>
+      </p:sp>
+      <p:pic>
+        <p:nvPicPr>
+          <p:cNvPr id="8" name="Picture 7">
+            <a:extLst>
+              <a:ext uri="{FF2B5EF4-FFF2-40B4-BE49-F238E27FC236}">
+                <a16:creationId xmlns:a16="http://schemas.microsoft.com/office/drawing/2014/main" id="{D5C664B1-B100-4AA3-A44B-5CE06B18F0E6}"/>
+              </a:ext>
+            </a:extLst>
+          </p:cNvPr>
+          <p:cNvPicPr>
+            <a:picLocks noChangeAspect="1"/>
+          </p:cNvPicPr>
+          <p:nvPr/>
+        </p:nvPicPr>
+        <p:blipFill>
+          <a:blip r:embed="rId3"/>
+          <a:stretch>
+            <a:fillRect/>
+          </a:stretch>
+        </p:blipFill>
+        <p:spPr>
+          <a:xfrm>
+            <a:off x="2339752" y="1262394"/>
+            <a:ext cx="2588057" cy="5229202"/>
+          </a:xfrm>
+          <a:prstGeom prst="rect">
+            <a:avLst/>
+          </a:prstGeom>
+          <a:ln>
+            <a:solidFill>
+              <a:srgbClr val="C00000"/>
+            </a:solidFill>
+          </a:ln>
+        </p:spPr>
+      </p:pic>
+    </p:spTree>
+    <p:extLst>
+      <p:ext uri="{BB962C8B-B14F-4D97-AF65-F5344CB8AC3E}">
+        <p14:creationId xmlns:p14="http://schemas.microsoft.com/office/powerpoint/2010/main" val="1833359278"/>
+      </p:ext>
+    </p:extLst>
+  </p:cSld>
+  <p:clrMapOvr>
+    <a:masterClrMapping/>
+  </p:clrMapOvr>
+</p:sld>
+</file>
+
+<file path=ppt/slides/slide26.xml><?xml version="1.0" encoding="utf-8"?>
+<p:sld xmlns:a="http://schemas.openxmlformats.org/drawingml/2006/main" xmlns:r="http://schemas.openxmlformats.org/officeDocument/2006/relationships" xmlns:p="http://schemas.openxmlformats.org/presentationml/2006/main">
+  <p:cSld>
+    <p:spTree>
+      <p:nvGrpSpPr>
+        <p:cNvPr id="1" name=""/>
+        <p:cNvGrpSpPr/>
+        <p:nvPr/>
+      </p:nvGrpSpPr>
+      <p:grpSpPr>
+        <a:xfrm>
+          <a:off x="0" y="0"/>
+          <a:ext cx="0" cy="0"/>
+          <a:chOff x="0" y="0"/>
+          <a:chExt cx="0" cy="0"/>
+        </a:xfrm>
+      </p:grpSpPr>
+      <p:sp>
+        <p:nvSpPr>
+          <p:cNvPr id="2" name="標題 1"/>
+          <p:cNvSpPr>
+            <a:spLocks noGrp="1"/>
+          </p:cNvSpPr>
+          <p:nvPr>
+            <p:ph type="ctrTitle"/>
+          </p:nvPr>
+        </p:nvSpPr>
+        <p:spPr>
+          <a:xfrm>
+            <a:off x="0" y="2130425"/>
+            <a:ext cx="9144000" cy="1470025"/>
+          </a:xfrm>
+          <a:gradFill flip="none" rotWithShape="1">
+            <a:gsLst>
+              <a:gs pos="0">
+                <a:srgbClr val="00B0F0">
+                  <a:shade val="30000"/>
+                  <a:satMod val="115000"/>
+                </a:srgbClr>
+              </a:gs>
+              <a:gs pos="50000">
+                <a:srgbClr val="00B0F0">
+                  <a:shade val="67500"/>
+                  <a:satMod val="115000"/>
+                </a:srgbClr>
+              </a:gs>
+              <a:gs pos="100000">
+                <a:srgbClr val="00B0F0">
+                  <a:shade val="100000"/>
+                  <a:satMod val="115000"/>
+                </a:srgbClr>
+              </a:gs>
+            </a:gsLst>
+            <a:path path="circle">
+              <a:fillToRect t="100000" r="100000"/>
+            </a:path>
+            <a:tileRect l="-100000" b="-100000"/>
+          </a:gradFill>
+        </p:spPr>
+        <p:txBody>
+          <a:bodyPr>
+            <a:normAutofit/>
+          </a:bodyPr>
+          <a:lstStyle/>
+          <a:p>
+            <a:r>
+              <a:rPr lang="en-US" altLang="zh-TW" sz="6000" b="1" dirty="0">
+                <a:solidFill>
+                  <a:srgbClr val="FFFF00"/>
+                </a:solidFill>
+              </a:rPr>
+              <a:t>End of Chapter</a:t>
+            </a:r>
+            <a:endParaRPr lang="zh-TW" altLang="en-US" sz="6000" b="1" dirty="0">
+              <a:solidFill>
+                <a:srgbClr val="FFFF00"/>
+              </a:solidFill>
+            </a:endParaRPr>
+          </a:p>
+        </p:txBody>
+      </p:sp>
+      <p:sp>
+        <p:nvSpPr>
+          <p:cNvPr id="5" name="日期版面配置區 4"/>
+          <p:cNvSpPr>
+            <a:spLocks noGrp="1"/>
+          </p:cNvSpPr>
+          <p:nvPr>
+            <p:ph type="dt" sz="half" idx="10"/>
+          </p:nvPr>
+        </p:nvSpPr>
+        <p:spPr/>
+        <p:txBody>
+          <a:bodyPr/>
+          <a:lstStyle/>
+          <a:p>
+            <a:fld id="{4E46BE27-E923-4EC2-B046-3272AE2A3E5C}" type="datetime1">
+              <a:rPr lang="zh-TW" altLang="en-US" smtClean="0"/>
+              <a:pPr/>
+              <a:t>2020/5/30</a:t>
+            </a:fld>
+            <a:endParaRPr lang="zh-TW" altLang="en-US"/>
+          </a:p>
+        </p:txBody>
+      </p:sp>
+      <p:sp>
+        <p:nvSpPr>
+          <p:cNvPr id="6" name="投影片編號版面配置區 5"/>
+          <p:cNvSpPr>
+            <a:spLocks noGrp="1"/>
+          </p:cNvSpPr>
+          <p:nvPr>
+            <p:ph type="sldNum" sz="quarter" idx="12"/>
+          </p:nvPr>
+        </p:nvSpPr>
+        <p:spPr/>
+        <p:txBody>
+          <a:bodyPr/>
+          <a:lstStyle/>
+          <a:p>
+            <a:fld id="{E4D7E63D-91F2-4366-A2C4-1B00C9E2590E}" type="slidenum">
+              <a:rPr lang="zh-TW" altLang="en-US" smtClean="0"/>
+              <a:pPr/>
+              <a:t>26</a:t>
             </a:fld>
             <a:endParaRPr lang="zh-TW" altLang="en-US"/>
           </a:p>
@@ -5734,7 +9183,7 @@
             <a:fld id="{C389EDC9-19E3-47AC-9C57-C6A24DEA81AD}" type="datetime1">
               <a:rPr lang="zh-TW" altLang="en-US" smtClean="0"/>
               <a:pPr/>
-              <a:t>2020/5/22</a:t>
+              <a:t>2020/5/30</a:t>
             </a:fld>
             <a:endParaRPr lang="zh-TW" altLang="en-US"/>
           </a:p>
@@ -6084,7 +9533,7 @@
             <a:fld id="{A4F910E6-8D00-4BAF-8C48-9688E0B449D3}" type="datetime1">
               <a:rPr lang="zh-TW" altLang="en-US" smtClean="0"/>
               <a:pPr/>
-              <a:t>2020/5/22</a:t>
+              <a:t>2020/5/30</a:t>
             </a:fld>
             <a:endParaRPr lang="zh-TW" altLang="en-US"/>
           </a:p>
@@ -6560,7 +10009,7 @@
             <a:fld id="{C389EDC9-19E3-47AC-9C57-C6A24DEA81AD}" type="datetime1">
               <a:rPr lang="zh-TW" altLang="en-US" smtClean="0"/>
               <a:pPr/>
-              <a:t>2020/5/22</a:t>
+              <a:t>2020/5/30</a:t>
             </a:fld>
             <a:endParaRPr lang="zh-TW" altLang="en-US"/>
           </a:p>
@@ -6910,7 +10359,7 @@
             <a:fld id="{A4F910E6-8D00-4BAF-8C48-9688E0B449D3}" type="datetime1">
               <a:rPr lang="zh-TW" altLang="en-US" smtClean="0"/>
               <a:pPr/>
-              <a:t>2020/5/22</a:t>
+              <a:t>2020/5/30</a:t>
             </a:fld>
             <a:endParaRPr lang="zh-TW" altLang="en-US"/>
           </a:p>
@@ -7481,7 +10930,7 @@
             <a:fld id="{A4F910E6-8D00-4BAF-8C48-9688E0B449D3}" type="datetime1">
               <a:rPr lang="zh-TW" altLang="en-US" smtClean="0"/>
               <a:pPr/>
-              <a:t>2020/5/22</a:t>
+              <a:t>2020/5/30</a:t>
             </a:fld>
             <a:endParaRPr lang="zh-TW" altLang="en-US"/>
           </a:p>
@@ -8033,7 +11482,7 @@
             <a:fld id="{A4F910E6-8D00-4BAF-8C48-9688E0B449D3}" type="datetime1">
               <a:rPr lang="zh-TW" altLang="en-US" smtClean="0"/>
               <a:pPr/>
-              <a:t>2020/5/22</a:t>
+              <a:t>2020/5/30</a:t>
             </a:fld>
             <a:endParaRPr lang="zh-TW" altLang="en-US"/>
           </a:p>
@@ -8187,7 +11636,7 @@
             <a:fld id="{C389EDC9-19E3-47AC-9C57-C6A24DEA81AD}" type="datetime1">
               <a:rPr lang="zh-TW" altLang="en-US" smtClean="0"/>
               <a:pPr/>
-              <a:t>2020/5/22</a:t>
+              <a:t>2020/5/30</a:t>
             </a:fld>
             <a:endParaRPr lang="zh-TW" altLang="en-US"/>
           </a:p>
